--- a/4Games.pptx
+++ b/4Games.pptx
@@ -14,9 +14,10 @@
     <p:sldId id="261" r:id="rId8"/>
     <p:sldId id="262" r:id="rId9"/>
     <p:sldId id="263" r:id="rId10"/>
-    <p:sldId id="265" r:id="rId11"/>
-    <p:sldId id="266" r:id="rId12"/>
-    <p:sldId id="267" r:id="rId13"/>
+    <p:sldId id="268" r:id="rId11"/>
+    <p:sldId id="265" r:id="rId12"/>
+    <p:sldId id="266" r:id="rId13"/>
+    <p:sldId id="267" r:id="rId14"/>
   </p:sldIdLst>
   <p:sldSz cx="12192000" cy="6858000"/>
   <p:notesSz cx="6858000" cy="9144000"/>
@@ -3927,6 +3928,329 @@
     <p:bg>
       <p:bgPr>
         <a:solidFill>
+          <a:schemeClr val="bg1"/>
+        </a:solidFill>
+        <a:effectLst/>
+      </p:bgPr>
+    </p:bg>
+    <p:spTree>
+      <p:nvGrpSpPr>
+        <p:cNvPr id="1" name=""/>
+        <p:cNvGrpSpPr/>
+        <p:nvPr/>
+      </p:nvGrpSpPr>
+      <p:grpSpPr>
+        <a:xfrm>
+          <a:off x="0" y="0"/>
+          <a:ext cx="0" cy="0"/>
+          <a:chOff x="0" y="0"/>
+          <a:chExt cx="0" cy="0"/>
+        </a:xfrm>
+      </p:grpSpPr>
+      <p:sp>
+        <p:nvSpPr>
+          <p:cNvPr id="13" name="Rectangle 12">
+            <a:extLst>
+              <a:ext uri="{FF2B5EF4-FFF2-40B4-BE49-F238E27FC236}">
+                <a16:creationId xmlns:a16="http://schemas.microsoft.com/office/drawing/2014/main" id="{823AC064-BC96-4F32-8AE1-B2FD38754823}"/>
+              </a:ext>
+              <a:ext uri="{C183D7F6-B498-43B3-948B-1728B52AA6E4}">
+                <adec:decorative xmlns:adec="http://schemas.microsoft.com/office/drawing/2017/decorative" val="1"/>
+              </a:ext>
+            </a:extLst>
+          </p:cNvPr>
+          <p:cNvSpPr>
+            <a:spLocks noGrp="1" noRot="1" noChangeAspect="1" noMove="1" noResize="1" noEditPoints="1" noAdjustHandles="1" noChangeArrowheads="1" noChangeShapeType="1" noTextEdit="1"/>
+          </p:cNvSpPr>
+          <p:nvPr>
+            <p:extLst>
+              <p:ext uri="{386F3935-93C4-4BCD-93E2-E3B085C9AB24}">
+                <p16:designElem xmlns:p16="http://schemas.microsoft.com/office/powerpoint/2015/main" val="1"/>
+              </p:ext>
+            </p:extLst>
+          </p:nvPr>
+        </p:nvSpPr>
+        <p:spPr bwMode="ltGray">
+          <a:xfrm>
+            <a:off x="396882" y="280374"/>
+            <a:ext cx="11438793" cy="1844256"/>
+          </a:xfrm>
+          <a:prstGeom prst="rect">
+            <a:avLst/>
+          </a:prstGeom>
+          <a:solidFill>
+            <a:srgbClr val="404040"/>
+          </a:solidFill>
+          <a:ln w="127000" cap="sq" cmpd="thinThick">
+            <a:solidFill>
+              <a:srgbClr val="404040"/>
+            </a:solidFill>
+          </a:ln>
+        </p:spPr>
+        <p:style>
+          <a:lnRef idx="2">
+            <a:schemeClr val="accent1">
+              <a:shade val="50000"/>
+            </a:schemeClr>
+          </a:lnRef>
+          <a:fillRef idx="1">
+            <a:schemeClr val="accent1"/>
+          </a:fillRef>
+          <a:effectRef idx="0">
+            <a:schemeClr val="accent1"/>
+          </a:effectRef>
+          <a:fontRef idx="minor">
+            <a:schemeClr val="lt1"/>
+          </a:fontRef>
+        </p:style>
+        <p:txBody>
+          <a:bodyPr rtlCol="0" anchor="ctr"/>
+          <a:lstStyle/>
+          <a:p>
+            <a:pPr algn="ctr"/>
+            <a:endParaRPr lang="en-US"/>
+          </a:p>
+        </p:txBody>
+      </p:sp>
+      <p:sp>
+        <p:nvSpPr>
+          <p:cNvPr id="2" name="Titel 1">
+            <a:extLst>
+              <a:ext uri="{FF2B5EF4-FFF2-40B4-BE49-F238E27FC236}">
+                <a16:creationId xmlns:a16="http://schemas.microsoft.com/office/drawing/2014/main" id="{F5896403-0736-482C-804E-414726D2ED63}"/>
+              </a:ext>
+            </a:extLst>
+          </p:cNvPr>
+          <p:cNvSpPr>
+            <a:spLocks noGrp="1"/>
+          </p:cNvSpPr>
+          <p:nvPr>
+            <p:ph type="title"/>
+          </p:nvPr>
+        </p:nvSpPr>
+        <p:spPr>
+          <a:xfrm>
+            <a:off x="546351" y="433545"/>
+            <a:ext cx="11139854" cy="930447"/>
+          </a:xfrm>
+        </p:spPr>
+        <p:txBody>
+          <a:bodyPr vert="horz" lIns="91440" tIns="45720" rIns="91440" bIns="45720" rtlCol="0" anchor="b">
+            <a:normAutofit/>
+          </a:bodyPr>
+          <a:lstStyle/>
+          <a:p>
+            <a:pPr algn="ctr"/>
+            <a:r>
+              <a:rPr lang="de-AT" sz="5400" dirty="0">
+                <a:solidFill>
+                  <a:srgbClr val="FFFFFF"/>
+                </a:solidFill>
+              </a:rPr>
+              <a:t>Beispiel</a:t>
+            </a:r>
+          </a:p>
+        </p:txBody>
+      </p:sp>
+      <p:cxnSp>
+        <p:nvCxnSpPr>
+          <p:cNvPr id="15" name="Straight Connector 14">
+            <a:extLst>
+              <a:ext uri="{FF2B5EF4-FFF2-40B4-BE49-F238E27FC236}">
+                <a16:creationId xmlns:a16="http://schemas.microsoft.com/office/drawing/2014/main" id="{7E7C77BC-7138-40B1-A15B-20F57A494629}"/>
+              </a:ext>
+              <a:ext uri="{C183D7F6-B498-43B3-948B-1728B52AA6E4}">
+                <adec:decorative xmlns:adec="http://schemas.microsoft.com/office/drawing/2017/decorative" val="1"/>
+              </a:ext>
+            </a:extLst>
+          </p:cNvPr>
+          <p:cNvCxnSpPr>
+            <a:cxnSpLocks noGrp="1" noRot="1" noChangeAspect="1" noMove="1" noResize="1" noEditPoints="1" noAdjustHandles="1" noChangeArrowheads="1" noChangeShapeType="1"/>
+          </p:cNvCxnSpPr>
+          <p:nvPr>
+            <p:extLst>
+              <p:ext uri="{386F3935-93C4-4BCD-93E2-E3B085C9AB24}">
+                <p16:designElem xmlns:p16="http://schemas.microsoft.com/office/powerpoint/2015/main" val="1"/>
+              </p:ext>
+            </p:extLst>
+          </p:nvPr>
+        </p:nvCxnSpPr>
+        <p:spPr>
+          <a:xfrm>
+            <a:off x="2230078" y="1522292"/>
+            <a:ext cx="7772400" cy="0"/>
+          </a:xfrm>
+          <a:prstGeom prst="line">
+            <a:avLst/>
+          </a:prstGeom>
+          <a:ln w="22225">
+            <a:solidFill>
+              <a:srgbClr val="D9D9D9"/>
+            </a:solidFill>
+          </a:ln>
+        </p:spPr>
+        <p:style>
+          <a:lnRef idx="1">
+            <a:schemeClr val="accent1"/>
+          </a:lnRef>
+          <a:fillRef idx="0">
+            <a:schemeClr val="accent1"/>
+          </a:fillRef>
+          <a:effectRef idx="0">
+            <a:schemeClr val="accent1"/>
+          </a:effectRef>
+          <a:fontRef idx="minor">
+            <a:schemeClr val="tx1"/>
+          </a:fontRef>
+        </p:style>
+      </p:cxnSp>
+      <p:pic>
+        <p:nvPicPr>
+          <p:cNvPr id="8" name="Inhaltsplatzhalter 7">
+            <a:extLst>
+              <a:ext uri="{FF2B5EF4-FFF2-40B4-BE49-F238E27FC236}">
+                <a16:creationId xmlns:a16="http://schemas.microsoft.com/office/drawing/2014/main" id="{4B8AE41E-057F-4B4F-BC6F-7E8A809E8FDF}"/>
+              </a:ext>
+            </a:extLst>
+          </p:cNvPr>
+          <p:cNvPicPr>
+            <a:picLocks noGrp="1" noChangeAspect="1"/>
+          </p:cNvPicPr>
+          <p:nvPr>
+            <p:ph sz="half" idx="2"/>
+          </p:nvPr>
+        </p:nvPicPr>
+        <p:blipFill>
+          <a:blip r:embed="rId2">
+            <a:extLst>
+              <a:ext uri="{28A0092B-C50C-407E-A947-70E740481C1C}">
+                <a14:useLocalDpi xmlns:a14="http://schemas.microsoft.com/office/drawing/2010/main" val="0"/>
+              </a:ext>
+            </a:extLst>
+          </a:blip>
+          <a:stretch>
+            <a:fillRect/>
+          </a:stretch>
+        </p:blipFill>
+        <p:spPr>
+          <a:xfrm>
+            <a:off x="7882414" y="2426817"/>
+            <a:ext cx="2437836" cy="3997637"/>
+          </a:xfrm>
+          <a:prstGeom prst="rect">
+            <a:avLst/>
+          </a:prstGeom>
+        </p:spPr>
+      </p:pic>
+      <p:cxnSp>
+        <p:nvCxnSpPr>
+          <p:cNvPr id="17" name="Straight Connector 16">
+            <a:extLst>
+              <a:ext uri="{FF2B5EF4-FFF2-40B4-BE49-F238E27FC236}">
+                <a16:creationId xmlns:a16="http://schemas.microsoft.com/office/drawing/2014/main" id="{DB146403-F3D6-484B-B2ED-97F9565D0370}"/>
+              </a:ext>
+              <a:ext uri="{C183D7F6-B498-43B3-948B-1728B52AA6E4}">
+                <adec:decorative xmlns:adec="http://schemas.microsoft.com/office/drawing/2017/decorative" val="1"/>
+              </a:ext>
+            </a:extLst>
+          </p:cNvPr>
+          <p:cNvCxnSpPr>
+            <a:cxnSpLocks noGrp="1" noRot="1" noChangeAspect="1" noMove="1" noResize="1" noEditPoints="1" noAdjustHandles="1" noChangeArrowheads="1" noChangeShapeType="1"/>
+          </p:cNvCxnSpPr>
+          <p:nvPr>
+            <p:extLst>
+              <p:ext uri="{386F3935-93C4-4BCD-93E2-E3B085C9AB24}">
+                <p16:designElem xmlns:p16="http://schemas.microsoft.com/office/powerpoint/2015/main" val="1"/>
+              </p:ext>
+            </p:extLst>
+          </p:nvPr>
+        </p:nvCxnSpPr>
+        <p:spPr>
+          <a:xfrm>
+            <a:off x="6116278" y="2596836"/>
+            <a:ext cx="0" cy="3657600"/>
+          </a:xfrm>
+          <a:prstGeom prst="line">
+            <a:avLst/>
+          </a:prstGeom>
+          <a:ln w="101600" cmpd="dbl">
+            <a:solidFill>
+              <a:srgbClr val="595959"/>
+            </a:solidFill>
+          </a:ln>
+        </p:spPr>
+        <p:style>
+          <a:lnRef idx="1">
+            <a:schemeClr val="accent1"/>
+          </a:lnRef>
+          <a:fillRef idx="0">
+            <a:schemeClr val="accent1"/>
+          </a:fillRef>
+          <a:effectRef idx="0">
+            <a:schemeClr val="accent1"/>
+          </a:effectRef>
+          <a:fontRef idx="minor">
+            <a:schemeClr val="tx1"/>
+          </a:fontRef>
+        </p:style>
+      </p:cxnSp>
+      <p:pic>
+        <p:nvPicPr>
+          <p:cNvPr id="6" name="Inhaltsplatzhalter 5" descr="Ein Bild, das Text, Himmel, Antenne enthält.&#10;&#10;Automatisch generierte Beschreibung">
+            <a:extLst>
+              <a:ext uri="{FF2B5EF4-FFF2-40B4-BE49-F238E27FC236}">
+                <a16:creationId xmlns:a16="http://schemas.microsoft.com/office/drawing/2014/main" id="{E2B3E38A-8429-42AF-B6DA-E5884BB109BD}"/>
+              </a:ext>
+            </a:extLst>
+          </p:cNvPr>
+          <p:cNvPicPr>
+            <a:picLocks noGrp="1" noChangeAspect="1"/>
+          </p:cNvPicPr>
+          <p:nvPr>
+            <p:ph sz="half" idx="1"/>
+          </p:nvPr>
+        </p:nvPicPr>
+        <p:blipFill>
+          <a:blip r:embed="rId3">
+            <a:extLst>
+              <a:ext uri="{28A0092B-C50C-407E-A947-70E740481C1C}">
+                <a14:useLocalDpi xmlns:a14="http://schemas.microsoft.com/office/drawing/2010/main" val="0"/>
+              </a:ext>
+            </a:extLst>
+          </a:blip>
+          <a:stretch>
+            <a:fillRect/>
+          </a:stretch>
+        </p:blipFill>
+        <p:spPr>
+          <a:xfrm>
+            <a:off x="1711124" y="2426818"/>
+            <a:ext cx="2598464" cy="3997637"/>
+          </a:xfrm>
+          <a:prstGeom prst="rect">
+            <a:avLst/>
+          </a:prstGeom>
+        </p:spPr>
+      </p:pic>
+    </p:spTree>
+    <p:extLst>
+      <p:ext uri="{BB962C8B-B14F-4D97-AF65-F5344CB8AC3E}">
+        <p14:creationId xmlns:p14="http://schemas.microsoft.com/office/powerpoint/2010/main" val="2227092573"/>
+      </p:ext>
+    </p:extLst>
+  </p:cSld>
+  <p:clrMapOvr>
+    <a:masterClrMapping/>
+  </p:clrMapOvr>
+</p:sld>
+</file>
+
+<file path=ppt/slides/slide11.xml><?xml version="1.0" encoding="utf-8"?>
+<p:sld xmlns:a="http://schemas.openxmlformats.org/drawingml/2006/main" xmlns:r="http://schemas.openxmlformats.org/officeDocument/2006/relationships" xmlns:p="http://schemas.openxmlformats.org/presentationml/2006/main">
+  <p:cSld>
+    <p:bg>
+      <p:bgPr>
+        <a:solidFill>
           <a:schemeClr val="bg1">
             <a:tint val="95000"/>
             <a:satMod val="170000"/>
@@ -4316,7 +4640,7 @@
 </p:sld>
 </file>
 
-<file path=ppt/slides/slide11.xml><?xml version="1.0" encoding="utf-8"?>
+<file path=ppt/slides/slide12.xml><?xml version="1.0" encoding="utf-8"?>
 <p:sld xmlns:a="http://schemas.openxmlformats.org/drawingml/2006/main" xmlns:r="http://schemas.openxmlformats.org/officeDocument/2006/relationships" xmlns:p="http://schemas.openxmlformats.org/presentationml/2006/main">
   <p:cSld>
     <p:bg>
@@ -4722,7 +5046,7 @@
 </p:sld>
 </file>
 
-<file path=ppt/slides/slide12.xml><?xml version="1.0" encoding="utf-8"?>
+<file path=ppt/slides/slide13.xml><?xml version="1.0" encoding="utf-8"?>
 <p:sld xmlns:a="http://schemas.openxmlformats.org/drawingml/2006/main" xmlns:r="http://schemas.openxmlformats.org/officeDocument/2006/relationships" xmlns:p="http://schemas.openxmlformats.org/presentationml/2006/main">
   <p:cSld>
     <p:bg>
@@ -4752,10 +5076,45 @@
       </p:grpSpPr>
       <p:sp>
         <p:nvSpPr>
-          <p:cNvPr id="12" name="Freeform: Shape 7">
-            <a:extLst>
-              <a:ext uri="{FF2B5EF4-FFF2-40B4-BE49-F238E27FC236}">
-                <a16:creationId xmlns:a16="http://schemas.microsoft.com/office/drawing/2014/main" id="{AD21898E-86C0-4C8A-A76C-DF33E844C87A}"/>
+          <p:cNvPr id="2" name="Titel 1">
+            <a:extLst>
+              <a:ext uri="{FF2B5EF4-FFF2-40B4-BE49-F238E27FC236}">
+                <a16:creationId xmlns:a16="http://schemas.microsoft.com/office/drawing/2014/main" id="{349B5751-820D-486A-9E54-C96AA3976DAC}"/>
+              </a:ext>
+            </a:extLst>
+          </p:cNvPr>
+          <p:cNvSpPr>
+            <a:spLocks noGrp="1"/>
+          </p:cNvSpPr>
+          <p:nvPr>
+            <p:ph type="title"/>
+          </p:nvPr>
+        </p:nvSpPr>
+        <p:spPr>
+          <a:xfrm>
+            <a:off x="6234330" y="803325"/>
+            <a:ext cx="5314536" cy="1325563"/>
+          </a:xfrm>
+        </p:spPr>
+        <p:txBody>
+          <a:bodyPr>
+            <a:normAutofit/>
+          </a:bodyPr>
+          <a:lstStyle/>
+          <a:p>
+            <a:r>
+              <a:rPr lang="de-AT"/>
+              <a:t>Vielen Dank für Ihre Aufmerksamkeit!</a:t>
+            </a:r>
+          </a:p>
+        </p:txBody>
+      </p:sp>
+      <p:sp>
+        <p:nvSpPr>
+          <p:cNvPr id="22" name="Freeform: Shape 19">
+            <a:extLst>
+              <a:ext uri="{FF2B5EF4-FFF2-40B4-BE49-F238E27FC236}">
+                <a16:creationId xmlns:a16="http://schemas.microsoft.com/office/drawing/2014/main" id="{CF62D2A7-8207-488C-9F46-316BA81A16C8}"/>
               </a:ext>
               <a:ext uri="{C183D7F6-B498-43B3-948B-1728B52AA6E4}">
                 <adec:decorative xmlns:adec="http://schemas.microsoft.com/office/drawing/2017/decorative" val="1"/>
@@ -4775,32 +5134,26 @@
         </p:nvSpPr>
         <p:spPr>
           <a:xfrm>
-            <a:off x="879542" y="0"/>
-            <a:ext cx="10432916" cy="6858000"/>
+            <a:off x="0" y="-2008"/>
+            <a:ext cx="5609220" cy="5840278"/>
           </a:xfrm>
           <a:custGeom>
             <a:avLst/>
             <a:gdLst>
-              <a:gd name="connsiteX0" fmla="*/ 1287962 w 10432916"/>
-              <a:gd name="connsiteY0" fmla="*/ 0 h 6858000"/>
-              <a:gd name="connsiteX1" fmla="*/ 9144956 w 10432916"/>
-              <a:gd name="connsiteY1" fmla="*/ 0 h 6858000"/>
-              <a:gd name="connsiteX2" fmla="*/ 9241731 w 10432916"/>
-              <a:gd name="connsiteY2" fmla="*/ 111692 h 6858000"/>
-              <a:gd name="connsiteX3" fmla="*/ 10432916 w 10432916"/>
-              <a:gd name="connsiteY3" fmla="*/ 3429001 h 6858000"/>
-              <a:gd name="connsiteX4" fmla="*/ 9241730 w 10432916"/>
-              <a:gd name="connsiteY4" fmla="*/ 6746310 h 6858000"/>
-              <a:gd name="connsiteX5" fmla="*/ 9144957 w 10432916"/>
-              <a:gd name="connsiteY5" fmla="*/ 6858000 h 6858000"/>
-              <a:gd name="connsiteX6" fmla="*/ 1287959 w 10432916"/>
-              <a:gd name="connsiteY6" fmla="*/ 6858000 h 6858000"/>
-              <a:gd name="connsiteX7" fmla="*/ 1191186 w 10432916"/>
-              <a:gd name="connsiteY7" fmla="*/ 6746310 h 6858000"/>
-              <a:gd name="connsiteX8" fmla="*/ 0 w 10432916"/>
-              <a:gd name="connsiteY8" fmla="*/ 3429001 h 6858000"/>
-              <a:gd name="connsiteX9" fmla="*/ 1191186 w 10432916"/>
-              <a:gd name="connsiteY9" fmla="*/ 111692 h 6858000"/>
+              <a:gd name="connsiteX0" fmla="*/ 0 w 5609220"/>
+              <a:gd name="connsiteY0" fmla="*/ 0 h 5840278"/>
+              <a:gd name="connsiteX1" fmla="*/ 4637091 w 5609220"/>
+              <a:gd name="connsiteY1" fmla="*/ 0 h 5840278"/>
+              <a:gd name="connsiteX2" fmla="*/ 4822569 w 5609220"/>
+              <a:gd name="connsiteY2" fmla="*/ 204077 h 5840278"/>
+              <a:gd name="connsiteX3" fmla="*/ 5609220 w 5609220"/>
+              <a:gd name="connsiteY3" fmla="*/ 2395363 h 5840278"/>
+              <a:gd name="connsiteX4" fmla="*/ 2164305 w 5609220"/>
+              <a:gd name="connsiteY4" fmla="*/ 5840278 h 5840278"/>
+              <a:gd name="connsiteX5" fmla="*/ 238220 w 5609220"/>
+              <a:gd name="connsiteY5" fmla="*/ 5251941 h 5840278"/>
+              <a:gd name="connsiteX6" fmla="*/ 0 w 5609220"/>
+              <a:gd name="connsiteY6" fmla="*/ 5073803 h 5840278"/>
             </a:gdLst>
             <a:ahLst/>
             <a:cxnLst>
@@ -4825,65 +5178,45 @@
               <a:cxn ang="0">
                 <a:pos x="connsiteX6" y="connsiteY6"/>
               </a:cxn>
-              <a:cxn ang="0">
-                <a:pos x="connsiteX7" y="connsiteY7"/>
-              </a:cxn>
-              <a:cxn ang="0">
-                <a:pos x="connsiteX8" y="connsiteY8"/>
-              </a:cxn>
-              <a:cxn ang="0">
-                <a:pos x="connsiteX9" y="connsiteY9"/>
-              </a:cxn>
             </a:cxnLst>
             <a:rect l="l" t="t" r="r" b="b"/>
             <a:pathLst>
-              <a:path w="10432916" h="6858000">
+              <a:path w="5609220" h="5840278">
                 <a:moveTo>
-                  <a:pt x="1287962" y="0"/>
+                  <a:pt x="0" y="0"/>
                 </a:moveTo>
                 <a:lnTo>
-                  <a:pt x="9144956" y="0"/>
-                </a:lnTo>
-                <a:lnTo>
-                  <a:pt x="9241731" y="111692"/>
+                  <a:pt x="4637091" y="0"/>
+                </a:lnTo>
+                <a:lnTo>
+                  <a:pt x="4822569" y="204077"/>
                 </a:lnTo>
                 <a:cubicBezTo>
-                  <a:pt x="9985889" y="1013175"/>
-                  <a:pt x="10432916" y="2168897"/>
-                  <a:pt x="10432916" y="3429001"/>
+                  <a:pt x="5314007" y="799562"/>
+                  <a:pt x="5609220" y="1562987"/>
+                  <a:pt x="5609220" y="2395363"/>
                 </a:cubicBezTo>
                 <a:cubicBezTo>
-                  <a:pt x="10432916" y="4689105"/>
-                  <a:pt x="9985889" y="5844827"/>
-                  <a:pt x="9241730" y="6746310"/>
-                </a:cubicBezTo>
-                <a:lnTo>
-                  <a:pt x="9144957" y="6858000"/>
-                </a:lnTo>
-                <a:lnTo>
-                  <a:pt x="1287959" y="6858000"/>
-                </a:lnTo>
-                <a:lnTo>
-                  <a:pt x="1191186" y="6746310"/>
-                </a:lnTo>
-                <a:cubicBezTo>
-                  <a:pt x="447027" y="5844827"/>
-                  <a:pt x="0" y="4689105"/>
-                  <a:pt x="0" y="3429001"/>
+                  <a:pt x="5609220" y="4297937"/>
+                  <a:pt x="4066879" y="5840278"/>
+                  <a:pt x="2164305" y="5840278"/>
                 </a:cubicBezTo>
                 <a:cubicBezTo>
-                  <a:pt x="0" y="2168897"/>
-                  <a:pt x="447027" y="1013175"/>
-                  <a:pt x="1191186" y="111692"/>
+                  <a:pt x="1450840" y="5840278"/>
+                  <a:pt x="788032" y="5623387"/>
+                  <a:pt x="238220" y="5251941"/>
                 </a:cubicBezTo>
+                <a:lnTo>
+                  <a:pt x="0" y="5073803"/>
+                </a:lnTo>
                 <a:close/>
               </a:path>
             </a:pathLst>
           </a:custGeom>
           <a:solidFill>
-            <a:schemeClr val="tx1">
+            <a:srgbClr val="FFFFFF">
               <a:alpha val="80000"/>
-            </a:schemeClr>
+            </a:srgbClr>
           </a:solidFill>
           <a:ln>
             <a:noFill/>
@@ -4909,182 +5242,117 @@
           <a:bodyPr rtlCol="0" anchor="ctr"/>
           <a:lstStyle/>
           <a:p>
-            <a:pPr algn="ctr"/>
-            <a:endParaRPr lang="en-US"/>
-          </a:p>
-        </p:txBody>
-      </p:sp>
-      <p:sp>
-        <p:nvSpPr>
-          <p:cNvPr id="13" name="Freeform: Shape 9">
-            <a:extLst>
-              <a:ext uri="{FF2B5EF4-FFF2-40B4-BE49-F238E27FC236}">
-                <a16:creationId xmlns:a16="http://schemas.microsoft.com/office/drawing/2014/main" id="{5C8F04BD-D093-45D0-B54C-50FDB308B4EE}"/>
-              </a:ext>
-              <a:ext uri="{C183D7F6-B498-43B3-948B-1728B52AA6E4}">
-                <adec:decorative xmlns:adec="http://schemas.microsoft.com/office/drawing/2017/decorative" val="1"/>
-              </a:ext>
-            </a:extLst>
-          </p:cNvPr>
-          <p:cNvSpPr>
-            <a:spLocks noGrp="1" noRot="1" noChangeAspect="1" noMove="1" noResize="1" noEditPoints="1" noAdjustHandles="1" noChangeArrowheads="1" noChangeShapeType="1" noTextEdit="1"/>
-          </p:cNvSpPr>
-          <p:nvPr>
-            <p:extLst>
-              <p:ext uri="{386F3935-93C4-4BCD-93E2-E3B085C9AB24}">
-                <p16:designElem xmlns:p16="http://schemas.microsoft.com/office/powerpoint/2015/main" val="1"/>
-              </p:ext>
-            </p:extLst>
-          </p:nvPr>
-        </p:nvSpPr>
+            <a:pPr marL="0" marR="0" lvl="0" indent="0" algn="ctr" defTabSz="914400" rtl="0" eaLnBrk="1" fontAlgn="auto" latinLnBrk="0" hangingPunct="1">
+              <a:lnSpc>
+                <a:spcPct val="100000"/>
+              </a:lnSpc>
+              <a:spcBef>
+                <a:spcPts val="0"/>
+              </a:spcBef>
+              <a:spcAft>
+                <a:spcPts val="0"/>
+              </a:spcAft>
+              <a:buClrTx/>
+              <a:buSzTx/>
+              <a:buFontTx/>
+              <a:buNone/>
+              <a:tabLst/>
+              <a:defRPr/>
+            </a:pPr>
+            <a:endParaRPr kumimoji="0" lang="en-US" sz="1800" b="0" i="0" u="none" strike="noStrike" kern="1200" cap="none" spc="0" normalizeH="0" baseline="0" noProof="0">
+              <a:ln>
+                <a:noFill/>
+              </a:ln>
+              <a:solidFill>
+                <a:prstClr val="white"/>
+              </a:solidFill>
+              <a:effectLst/>
+              <a:uLnTx/>
+              <a:uFillTx/>
+              <a:latin typeface="Calibri" panose="020F0502020204030204"/>
+              <a:ea typeface="+mn-ea"/>
+              <a:cs typeface="+mn-cs"/>
+            </a:endParaRPr>
+          </a:p>
+        </p:txBody>
+      </p:sp>
+      <p:pic>
+        <p:nvPicPr>
+          <p:cNvPr id="5" name="Inhaltsplatzhalter 4">
+            <a:extLst>
+              <a:ext uri="{FF2B5EF4-FFF2-40B4-BE49-F238E27FC236}">
+                <a16:creationId xmlns:a16="http://schemas.microsoft.com/office/drawing/2014/main" id="{481CF030-5B7F-43AE-AEBE-F086891119E0}"/>
+              </a:ext>
+            </a:extLst>
+          </p:cNvPr>
+          <p:cNvPicPr>
+            <a:picLocks noChangeAspect="1"/>
+          </p:cNvPicPr>
+          <p:nvPr/>
+        </p:nvPicPr>
+        <p:blipFill rotWithShape="1">
+          <a:blip r:embed="rId2">
+            <a:extLst>
+              <a:ext uri="{28A0092B-C50C-407E-A947-70E740481C1C}">
+                <a14:useLocalDpi xmlns:a14="http://schemas.microsoft.com/office/drawing/2010/main" val="0"/>
+              </a:ext>
+            </a:extLst>
+          </a:blip>
+          <a:srcRect l="5655" r="1" b="1"/>
+          <a:stretch/>
+        </p:blipFill>
         <p:spPr>
           <a:xfrm>
-            <a:off x="1134942" y="0"/>
-            <a:ext cx="9922116" cy="6858000"/>
+            <a:off x="2" y="-2"/>
+            <a:ext cx="5441859" cy="5654940"/>
           </a:xfrm>
           <a:custGeom>
             <a:avLst/>
-            <a:gdLst>
-              <a:gd name="connsiteX0" fmla="*/ 1378575 w 9922116"/>
-              <a:gd name="connsiteY0" fmla="*/ 0 h 6858000"/>
-              <a:gd name="connsiteX1" fmla="*/ 8543542 w 9922116"/>
-              <a:gd name="connsiteY1" fmla="*/ 0 h 6858000"/>
-              <a:gd name="connsiteX2" fmla="*/ 8633323 w 9922116"/>
-              <a:gd name="connsiteY2" fmla="*/ 94145 h 6858000"/>
-              <a:gd name="connsiteX3" fmla="*/ 9922116 w 9922116"/>
-              <a:gd name="connsiteY3" fmla="*/ 3429001 h 6858000"/>
-              <a:gd name="connsiteX4" fmla="*/ 8633323 w 9922116"/>
-              <a:gd name="connsiteY4" fmla="*/ 6763858 h 6858000"/>
-              <a:gd name="connsiteX5" fmla="*/ 8543544 w 9922116"/>
-              <a:gd name="connsiteY5" fmla="*/ 6858000 h 6858000"/>
-              <a:gd name="connsiteX6" fmla="*/ 1378573 w 9922116"/>
-              <a:gd name="connsiteY6" fmla="*/ 6858000 h 6858000"/>
-              <a:gd name="connsiteX7" fmla="*/ 1288793 w 9922116"/>
-              <a:gd name="connsiteY7" fmla="*/ 6763858 h 6858000"/>
-              <a:gd name="connsiteX8" fmla="*/ 0 w 9922116"/>
-              <a:gd name="connsiteY8" fmla="*/ 3429001 h 6858000"/>
-              <a:gd name="connsiteX9" fmla="*/ 1288793 w 9922116"/>
-              <a:gd name="connsiteY9" fmla="*/ 94145 h 6858000"/>
-            </a:gdLst>
+            <a:gdLst/>
             <a:ahLst/>
-            <a:cxnLst>
-              <a:cxn ang="0">
-                <a:pos x="connsiteX0" y="connsiteY0"/>
-              </a:cxn>
-              <a:cxn ang="0">
-                <a:pos x="connsiteX1" y="connsiteY1"/>
-              </a:cxn>
-              <a:cxn ang="0">
-                <a:pos x="connsiteX2" y="connsiteY2"/>
-              </a:cxn>
-              <a:cxn ang="0">
-                <a:pos x="connsiteX3" y="connsiteY3"/>
-              </a:cxn>
-              <a:cxn ang="0">
-                <a:pos x="connsiteX4" y="connsiteY4"/>
-              </a:cxn>
-              <a:cxn ang="0">
-                <a:pos x="connsiteX5" y="connsiteY5"/>
-              </a:cxn>
-              <a:cxn ang="0">
-                <a:pos x="connsiteX6" y="connsiteY6"/>
-              </a:cxn>
-              <a:cxn ang="0">
-                <a:pos x="connsiteX7" y="connsiteY7"/>
-              </a:cxn>
-              <a:cxn ang="0">
-                <a:pos x="connsiteX8" y="connsiteY8"/>
-              </a:cxn>
-              <a:cxn ang="0">
-                <a:pos x="connsiteX9" y="connsiteY9"/>
-              </a:cxn>
-            </a:cxnLst>
+            <a:cxnLst/>
             <a:rect l="l" t="t" r="r" b="b"/>
             <a:pathLst>
-              <a:path w="9922116" h="6858000">
+              <a:path w="5441859" h="5654940">
                 <a:moveTo>
-                  <a:pt x="1378575" y="0"/>
+                  <a:pt x="0" y="0"/>
                 </a:moveTo>
                 <a:lnTo>
-                  <a:pt x="8543542" y="0"/>
-                </a:lnTo>
-                <a:lnTo>
-                  <a:pt x="8633323" y="94145"/>
+                  <a:pt x="4400491" y="0"/>
+                </a:lnTo>
+                <a:lnTo>
+                  <a:pt x="4484766" y="76595"/>
                 </a:lnTo>
                 <a:cubicBezTo>
-                  <a:pt x="9434072" y="974941"/>
-                  <a:pt x="9922116" y="2144991"/>
-                  <a:pt x="9922116" y="3429001"/>
+                  <a:pt x="5076107" y="667936"/>
+                  <a:pt x="5441859" y="1484866"/>
+                  <a:pt x="5441859" y="2387221"/>
                 </a:cubicBezTo>
                 <a:cubicBezTo>
-                  <a:pt x="9922116" y="4713011"/>
-                  <a:pt x="9434072" y="5883061"/>
-                  <a:pt x="8633323" y="6763858"/>
-                </a:cubicBezTo>
-                <a:lnTo>
-                  <a:pt x="8543544" y="6858000"/>
-                </a:lnTo>
-                <a:lnTo>
-                  <a:pt x="1378573" y="6858000"/>
-                </a:lnTo>
-                <a:lnTo>
-                  <a:pt x="1288793" y="6763858"/>
-                </a:lnTo>
-                <a:cubicBezTo>
-                  <a:pt x="488044" y="5883061"/>
-                  <a:pt x="0" y="4713011"/>
-                  <a:pt x="0" y="3429001"/>
+                  <a:pt x="5441859" y="4191932"/>
+                  <a:pt x="3978851" y="5654940"/>
+                  <a:pt x="2174140" y="5654940"/>
                 </a:cubicBezTo>
                 <a:cubicBezTo>
-                  <a:pt x="0" y="2144991"/>
-                  <a:pt x="488044" y="974941"/>
-                  <a:pt x="1288793" y="94145"/>
+                  <a:pt x="1412778" y="5654940"/>
+                  <a:pt x="712231" y="5394557"/>
+                  <a:pt x="156693" y="4957981"/>
                 </a:cubicBezTo>
+                <a:lnTo>
+                  <a:pt x="0" y="4820612"/>
+                </a:lnTo>
                 <a:close/>
               </a:path>
             </a:pathLst>
           </a:custGeom>
-          <a:solidFill>
-            <a:schemeClr val="bg1">
-              <a:lumMod val="65000"/>
-              <a:lumOff val="35000"/>
-            </a:schemeClr>
-          </a:solidFill>
-          <a:ln>
-            <a:noFill/>
-          </a:ln>
         </p:spPr>
-        <p:style>
-          <a:lnRef idx="2">
-            <a:schemeClr val="accent1">
-              <a:shade val="50000"/>
-            </a:schemeClr>
-          </a:lnRef>
-          <a:fillRef idx="1">
-            <a:schemeClr val="accent1"/>
-          </a:fillRef>
-          <a:effectRef idx="0">
-            <a:schemeClr val="accent1"/>
-          </a:effectRef>
-          <a:fontRef idx="minor">
-            <a:schemeClr val="lt1"/>
-          </a:fontRef>
-        </p:style>
-        <p:txBody>
-          <a:bodyPr rtlCol="0" anchor="ctr"/>
-          <a:lstStyle/>
-          <a:p>
-            <a:pPr algn="ctr"/>
-            <a:endParaRPr lang="en-US" dirty="0"/>
-          </a:p>
-        </p:txBody>
-      </p:sp>
-      <p:sp>
-        <p:nvSpPr>
-          <p:cNvPr id="2" name="Titel 1">
-            <a:extLst>
-              <a:ext uri="{FF2B5EF4-FFF2-40B4-BE49-F238E27FC236}">
-                <a16:creationId xmlns:a16="http://schemas.microsoft.com/office/drawing/2014/main" id="{349B5751-820D-486A-9E54-C96AA3976DAC}"/>
+      </p:pic>
+      <p:sp>
+        <p:nvSpPr>
+          <p:cNvPr id="23" name="Content Placeholder 16">
+            <a:extLst>
+              <a:ext uri="{FF2B5EF4-FFF2-40B4-BE49-F238E27FC236}">
+                <a16:creationId xmlns:a16="http://schemas.microsoft.com/office/drawing/2014/main" id="{7FB1E491-4DA9-459C-8AFF-6A05C6437B08}"/>
               </a:ext>
             </a:extLst>
           </p:cNvPr>
@@ -5092,49 +5360,13 @@
             <a:spLocks noGrp="1"/>
           </p:cNvSpPr>
           <p:nvPr>
-            <p:ph type="title"/>
+            <p:ph idx="1"/>
           </p:nvPr>
         </p:nvSpPr>
         <p:spPr>
           <a:xfrm>
-            <a:off x="2311147" y="365760"/>
-            <a:ext cx="7569706" cy="1288238"/>
-          </a:xfrm>
-        </p:spPr>
-        <p:txBody>
-          <a:bodyPr anchor="ctr">
-            <a:normAutofit/>
-          </a:bodyPr>
-          <a:lstStyle/>
-          <a:p>
-            <a:pPr algn="ctr"/>
-            <a:r>
-              <a:rPr lang="de-AT" sz="4100" dirty="0"/>
-              <a:t>Vielen Dank für Ihre Aufmerksamkeit!</a:t>
-            </a:r>
-          </a:p>
-        </p:txBody>
-      </p:sp>
-      <p:sp>
-        <p:nvSpPr>
-          <p:cNvPr id="3" name="Inhaltsplatzhalter 2">
-            <a:extLst>
-              <a:ext uri="{FF2B5EF4-FFF2-40B4-BE49-F238E27FC236}">
-                <a16:creationId xmlns:a16="http://schemas.microsoft.com/office/drawing/2014/main" id="{2D9AC60F-C00E-4B77-A882-E2D0A2DF22FC}"/>
-              </a:ext>
-            </a:extLst>
-          </p:cNvPr>
-          <p:cNvSpPr>
-            <a:spLocks noGrp="1"/>
-          </p:cNvSpPr>
-          <p:nvPr>
-            <p:ph idx="1"/>
-          </p:nvPr>
-        </p:nvSpPr>
-        <p:spPr>
-          <a:xfrm>
-            <a:off x="2165569" y="1956816"/>
-            <a:ext cx="7860863" cy="4024884"/>
+            <a:off x="6234329" y="2279018"/>
+            <a:ext cx="5314543" cy="3375920"/>
           </a:xfrm>
         </p:spPr>
         <p:txBody>
@@ -5143,7 +5375,13 @@
           </a:bodyPr>
           <a:lstStyle/>
           <a:p>
-            <a:endParaRPr lang="de-AT" sz="2400"/>
+            <a:pPr marL="0" indent="0">
+              <a:buNone/>
+            </a:pPr>
+            <a:r>
+              <a:rPr lang="en-US" sz="1800" dirty="0"/>
+              <a:t>Quadruple the fun!</a:t>
+            </a:r>
           </a:p>
         </p:txBody>
       </p:sp>
@@ -5514,37 +5752,37 @@
           <a:lstStyle/>
           <a:p>
             <a:r>
-              <a:rPr lang="de-AT" sz="2100"/>
+              <a:rPr lang="de-AT" sz="2100" dirty="0"/>
               <a:t>Projektvorstellung</a:t>
             </a:r>
           </a:p>
           <a:p>
             <a:r>
-              <a:rPr lang="de-AT" sz="2100"/>
+              <a:rPr lang="de-AT" sz="2100" dirty="0"/>
               <a:t>Teamvorstellung</a:t>
             </a:r>
           </a:p>
           <a:p>
             <a:r>
-              <a:rPr lang="de-AT" sz="2100"/>
+              <a:rPr lang="de-AT" sz="2100" dirty="0"/>
               <a:t>Meilensteine</a:t>
             </a:r>
           </a:p>
           <a:p>
             <a:r>
-              <a:rPr lang="de-AT" sz="2100"/>
+              <a:rPr lang="de-AT" sz="2100" dirty="0"/>
               <a:t>Spiele</a:t>
             </a:r>
           </a:p>
           <a:p>
             <a:r>
-              <a:rPr lang="de-AT" sz="2100"/>
+              <a:rPr lang="de-AT" sz="2100" dirty="0"/>
               <a:t>Produktpräsentation</a:t>
             </a:r>
           </a:p>
           <a:p>
             <a:r>
-              <a:rPr lang="de-AT" sz="2100"/>
+              <a:rPr lang="de-AT" sz="2100" dirty="0"/>
               <a:t>Was haben wir gelernt?</a:t>
             </a:r>
           </a:p>
@@ -8499,24 +8737,29 @@
           <a:lstStyle/>
           <a:p>
             <a:r>
-              <a:rPr lang="de-AT" sz="1800"/>
-              <a:t>Bla</a:t>
-            </a:r>
-          </a:p>
-          <a:p>
-            <a:r>
-              <a:rPr lang="de-AT" sz="1800"/>
-              <a:t>Bla</a:t>
-            </a:r>
-          </a:p>
-          <a:p>
-            <a:r>
-              <a:rPr lang="de-AT" sz="1800"/>
-              <a:t>Bla</a:t>
-            </a:r>
-          </a:p>
-          <a:p>
-            <a:endParaRPr lang="de-AT" sz="1800"/>
+              <a:rPr lang="de-AT" sz="1800" dirty="0"/>
+              <a:t>Klassisches </a:t>
+            </a:r>
+            <a:r>
+              <a:rPr lang="de-AT" sz="1800" dirty="0" err="1"/>
+              <a:t>TicTacToe</a:t>
+            </a:r>
+            <a:endParaRPr lang="de-AT" sz="1800" dirty="0"/>
+          </a:p>
+          <a:p>
+            <a:r>
+              <a:rPr lang="de-AT" sz="1800" dirty="0"/>
+              <a:t>Punktezähler</a:t>
+            </a:r>
+          </a:p>
+          <a:p>
+            <a:r>
+              <a:rPr lang="de-AT" sz="1800" dirty="0"/>
+              <a:t>Sieg oder Unentschieden</a:t>
+            </a:r>
+          </a:p>
+          <a:p>
+            <a:endParaRPr lang="de-AT" sz="1800" dirty="0"/>
           </a:p>
         </p:txBody>
       </p:sp>

--- a/4Games.pptx
+++ b/4Games.pptx
@@ -11,13 +11,14 @@
     <p:sldId id="258" r:id="rId5"/>
     <p:sldId id="259" r:id="rId6"/>
     <p:sldId id="260" r:id="rId7"/>
-    <p:sldId id="261" r:id="rId8"/>
-    <p:sldId id="262" r:id="rId9"/>
-    <p:sldId id="263" r:id="rId10"/>
-    <p:sldId id="268" r:id="rId11"/>
-    <p:sldId id="265" r:id="rId12"/>
-    <p:sldId id="266" r:id="rId13"/>
-    <p:sldId id="267" r:id="rId14"/>
+    <p:sldId id="269" r:id="rId8"/>
+    <p:sldId id="261" r:id="rId9"/>
+    <p:sldId id="262" r:id="rId10"/>
+    <p:sldId id="263" r:id="rId11"/>
+    <p:sldId id="268" r:id="rId12"/>
+    <p:sldId id="265" r:id="rId13"/>
+    <p:sldId id="266" r:id="rId14"/>
+    <p:sldId id="267" r:id="rId15"/>
   </p:sldIdLst>
   <p:sldSz cx="12192000" cy="6858000"/>
   <p:notesSz cx="6858000" cy="9144000"/>
@@ -116,6 +117,11 @@
       </a:defRPr>
     </a:lvl9pPr>
   </p:defaultTextStyle>
+  <p:extLst>
+    <p:ext uri="{EFAFB233-063F-42B5-8137-9DF3F51BA10A}">
+      <p15:sldGuideLst xmlns:p15="http://schemas.microsoft.com/office/powerpoint/2012/main"/>
+    </p:ext>
+  </p:extLst>
 </p:presentation>
 </file>
 
@@ -268,7 +274,7 @@
           <a:p>
             <a:fld id="{38804B5B-0ECB-411A-9E8E-A37D0C43CBD1}" type="datetimeFigureOut">
               <a:rPr lang="de-AT" smtClean="0"/>
-              <a:t>13.06.2021</a:t>
+              <a:t>14.06.2021</a:t>
             </a:fld>
             <a:endParaRPr lang="de-AT"/>
           </a:p>
@@ -468,7 +474,7 @@
           <a:p>
             <a:fld id="{38804B5B-0ECB-411A-9E8E-A37D0C43CBD1}" type="datetimeFigureOut">
               <a:rPr lang="de-AT" smtClean="0"/>
-              <a:t>13.06.2021</a:t>
+              <a:t>14.06.2021</a:t>
             </a:fld>
             <a:endParaRPr lang="de-AT"/>
           </a:p>
@@ -678,7 +684,7 @@
           <a:p>
             <a:fld id="{38804B5B-0ECB-411A-9E8E-A37D0C43CBD1}" type="datetimeFigureOut">
               <a:rPr lang="de-AT" smtClean="0"/>
-              <a:t>13.06.2021</a:t>
+              <a:t>14.06.2021</a:t>
             </a:fld>
             <a:endParaRPr lang="de-AT"/>
           </a:p>
@@ -878,7 +884,7 @@
           <a:p>
             <a:fld id="{38804B5B-0ECB-411A-9E8E-A37D0C43CBD1}" type="datetimeFigureOut">
               <a:rPr lang="de-AT" smtClean="0"/>
-              <a:t>13.06.2021</a:t>
+              <a:t>14.06.2021</a:t>
             </a:fld>
             <a:endParaRPr lang="de-AT"/>
           </a:p>
@@ -1154,7 +1160,7 @@
           <a:p>
             <a:fld id="{38804B5B-0ECB-411A-9E8E-A37D0C43CBD1}" type="datetimeFigureOut">
               <a:rPr lang="de-AT" smtClean="0"/>
-              <a:t>13.06.2021</a:t>
+              <a:t>14.06.2021</a:t>
             </a:fld>
             <a:endParaRPr lang="de-AT"/>
           </a:p>
@@ -1422,7 +1428,7 @@
           <a:p>
             <a:fld id="{38804B5B-0ECB-411A-9E8E-A37D0C43CBD1}" type="datetimeFigureOut">
               <a:rPr lang="de-AT" smtClean="0"/>
-              <a:t>13.06.2021</a:t>
+              <a:t>14.06.2021</a:t>
             </a:fld>
             <a:endParaRPr lang="de-AT"/>
           </a:p>
@@ -1837,7 +1843,7 @@
           <a:p>
             <a:fld id="{38804B5B-0ECB-411A-9E8E-A37D0C43CBD1}" type="datetimeFigureOut">
               <a:rPr lang="de-AT" smtClean="0"/>
-              <a:t>13.06.2021</a:t>
+              <a:t>14.06.2021</a:t>
             </a:fld>
             <a:endParaRPr lang="de-AT"/>
           </a:p>
@@ -1979,7 +1985,7 @@
           <a:p>
             <a:fld id="{38804B5B-0ECB-411A-9E8E-A37D0C43CBD1}" type="datetimeFigureOut">
               <a:rPr lang="de-AT" smtClean="0"/>
-              <a:t>13.06.2021</a:t>
+              <a:t>14.06.2021</a:t>
             </a:fld>
             <a:endParaRPr lang="de-AT"/>
           </a:p>
@@ -2092,7 +2098,7 @@
           <a:p>
             <a:fld id="{38804B5B-0ECB-411A-9E8E-A37D0C43CBD1}" type="datetimeFigureOut">
               <a:rPr lang="de-AT" smtClean="0"/>
-              <a:t>13.06.2021</a:t>
+              <a:t>14.06.2021</a:t>
             </a:fld>
             <a:endParaRPr lang="de-AT"/>
           </a:p>
@@ -2405,7 +2411,7 @@
           <a:p>
             <a:fld id="{38804B5B-0ECB-411A-9E8E-A37D0C43CBD1}" type="datetimeFigureOut">
               <a:rPr lang="de-AT" smtClean="0"/>
-              <a:t>13.06.2021</a:t>
+              <a:t>14.06.2021</a:t>
             </a:fld>
             <a:endParaRPr lang="de-AT"/>
           </a:p>
@@ -2694,7 +2700,7 @@
           <a:p>
             <a:fld id="{38804B5B-0ECB-411A-9E8E-A37D0C43CBD1}" type="datetimeFigureOut">
               <a:rPr lang="de-AT" smtClean="0"/>
-              <a:t>13.06.2021</a:t>
+              <a:t>14.06.2021</a:t>
             </a:fld>
             <a:endParaRPr lang="de-AT"/>
           </a:p>
@@ -2937,7 +2943,7 @@
           <a:p>
             <a:fld id="{38804B5B-0ECB-411A-9E8E-A37D0C43CBD1}" type="datetimeFigureOut">
               <a:rPr lang="de-AT" smtClean="0"/>
-              <a:t>13.06.2021</a:t>
+              <a:t>14.06.2021</a:t>
             </a:fld>
             <a:endParaRPr lang="de-AT"/>
           </a:p>
@@ -3928,6 +3934,462 @@
     <p:bg>
       <p:bgPr>
         <a:solidFill>
+          <a:schemeClr val="bg1">
+            <a:tint val="95000"/>
+            <a:satMod val="170000"/>
+          </a:schemeClr>
+        </a:solidFill>
+        <a:effectLst/>
+      </p:bgPr>
+    </p:bg>
+    <p:spTree>
+      <p:nvGrpSpPr>
+        <p:cNvPr id="1" name=""/>
+        <p:cNvGrpSpPr/>
+        <p:nvPr/>
+      </p:nvGrpSpPr>
+      <p:grpSpPr>
+        <a:xfrm>
+          <a:off x="0" y="0"/>
+          <a:ext cx="0" cy="0"/>
+          <a:chOff x="0" y="0"/>
+          <a:chExt cx="0" cy="0"/>
+        </a:xfrm>
+      </p:grpSpPr>
+      <p:pic>
+        <p:nvPicPr>
+          <p:cNvPr id="6" name="Grafik 5">
+            <a:extLst>
+              <a:ext uri="{FF2B5EF4-FFF2-40B4-BE49-F238E27FC236}">
+                <a16:creationId xmlns:a16="http://schemas.microsoft.com/office/drawing/2014/main" id="{17F8130F-0D02-456C-BA29-8C159CDB0819}"/>
+              </a:ext>
+            </a:extLst>
+          </p:cNvPr>
+          <p:cNvPicPr>
+            <a:picLocks noChangeAspect="1"/>
+          </p:cNvPicPr>
+          <p:nvPr/>
+        </p:nvPicPr>
+        <p:blipFill rotWithShape="1">
+          <a:blip r:embed="rId2">
+            <a:extLst>
+              <a:ext uri="{28A0092B-C50C-407E-A947-70E740481C1C}">
+                <a14:useLocalDpi xmlns:a14="http://schemas.microsoft.com/office/drawing/2010/main" val="0"/>
+              </a:ext>
+            </a:extLst>
+          </a:blip>
+          <a:srcRect t="2167" r="2" b="2"/>
+          <a:stretch/>
+        </p:blipFill>
+        <p:spPr>
+          <a:xfrm>
+            <a:off x="20" y="10"/>
+            <a:ext cx="7009876" cy="6857990"/>
+          </a:xfrm>
+          <a:custGeom>
+            <a:avLst/>
+            <a:gdLst/>
+            <a:ahLst/>
+            <a:cxnLst/>
+            <a:rect l="l" t="t" r="r" b="b"/>
+            <a:pathLst>
+              <a:path w="7009896" h="6858000">
+                <a:moveTo>
+                  <a:pt x="0" y="0"/>
+                </a:moveTo>
+                <a:lnTo>
+                  <a:pt x="7009896" y="0"/>
+                </a:lnTo>
+                <a:lnTo>
+                  <a:pt x="7009896" y="1"/>
+                </a:lnTo>
+                <a:lnTo>
+                  <a:pt x="6295211" y="1"/>
+                </a:lnTo>
+                <a:lnTo>
+                  <a:pt x="6195255" y="380651"/>
+                </a:lnTo>
+                <a:cubicBezTo>
+                  <a:pt x="5677600" y="2559611"/>
+                  <a:pt x="5966601" y="4758249"/>
+                  <a:pt x="6880029" y="6647018"/>
+                </a:cubicBezTo>
+                <a:lnTo>
+                  <a:pt x="6988280" y="6858000"/>
+                </a:lnTo>
+                <a:lnTo>
+                  <a:pt x="0" y="6858000"/>
+                </a:lnTo>
+                <a:close/>
+              </a:path>
+            </a:pathLst>
+          </a:custGeom>
+        </p:spPr>
+      </p:pic>
+      <p:sp>
+        <p:nvSpPr>
+          <p:cNvPr id="11" name="Freeform: Shape 10">
+            <a:extLst>
+              <a:ext uri="{FF2B5EF4-FFF2-40B4-BE49-F238E27FC236}">
+                <a16:creationId xmlns:a16="http://schemas.microsoft.com/office/drawing/2014/main" id="{5FDF4720-5445-47BE-89FE-E40D1AE6F619}"/>
+              </a:ext>
+              <a:ext uri="{C183D7F6-B498-43B3-948B-1728B52AA6E4}">
+                <adec:decorative xmlns:adec="http://schemas.microsoft.com/office/drawing/2017/decorative" val="1"/>
+              </a:ext>
+            </a:extLst>
+          </p:cNvPr>
+          <p:cNvSpPr>
+            <a:spLocks noGrp="1" noRot="1" noChangeAspect="1" noMove="1" noResize="1" noEditPoints="1" noAdjustHandles="1" noChangeArrowheads="1" noChangeShapeType="1" noTextEdit="1"/>
+          </p:cNvSpPr>
+          <p:nvPr>
+            <p:extLst>
+              <p:ext uri="{386F3935-93C4-4BCD-93E2-E3B085C9AB24}">
+                <p16:designElem xmlns:p16="http://schemas.microsoft.com/office/powerpoint/2015/main" val="1"/>
+              </p:ext>
+            </p:extLst>
+          </p:nvPr>
+        </p:nvSpPr>
+        <p:spPr>
+          <a:xfrm flipH="1">
+            <a:off x="5711927" y="-1"/>
+            <a:ext cx="6480073" cy="6858002"/>
+          </a:xfrm>
+          <a:custGeom>
+            <a:avLst/>
+            <a:gdLst>
+              <a:gd name="connsiteX0" fmla="*/ 6130244 w 6480073"/>
+              <a:gd name="connsiteY0" fmla="*/ 0 h 6858002"/>
+              <a:gd name="connsiteX1" fmla="*/ 6212951 w 6480073"/>
+              <a:gd name="connsiteY1" fmla="*/ 314584 h 6858002"/>
+              <a:gd name="connsiteX2" fmla="*/ 5540779 w 6480073"/>
+              <a:gd name="connsiteY2" fmla="*/ 6756649 h 6858002"/>
+              <a:gd name="connsiteX3" fmla="*/ 5489971 w 6480073"/>
+              <a:gd name="connsiteY3" fmla="*/ 6858002 h 6858002"/>
+              <a:gd name="connsiteX4" fmla="*/ 0 w 6480073"/>
+              <a:gd name="connsiteY4" fmla="*/ 6858002 h 6858002"/>
+              <a:gd name="connsiteX5" fmla="*/ 0 w 6480073"/>
+              <a:gd name="connsiteY5" fmla="*/ 0 h 6858002"/>
+            </a:gdLst>
+            <a:ahLst/>
+            <a:cxnLst>
+              <a:cxn ang="0">
+                <a:pos x="connsiteX0" y="connsiteY0"/>
+              </a:cxn>
+              <a:cxn ang="0">
+                <a:pos x="connsiteX1" y="connsiteY1"/>
+              </a:cxn>
+              <a:cxn ang="0">
+                <a:pos x="connsiteX2" y="connsiteY2"/>
+              </a:cxn>
+              <a:cxn ang="0">
+                <a:pos x="connsiteX3" y="connsiteY3"/>
+              </a:cxn>
+              <a:cxn ang="0">
+                <a:pos x="connsiteX4" y="connsiteY4"/>
+              </a:cxn>
+              <a:cxn ang="0">
+                <a:pos x="connsiteX5" y="connsiteY5"/>
+              </a:cxn>
+            </a:cxnLst>
+            <a:rect l="l" t="t" r="r" b="b"/>
+            <a:pathLst>
+              <a:path w="6480073" h="6858002">
+                <a:moveTo>
+                  <a:pt x="6130244" y="0"/>
+                </a:moveTo>
+                <a:lnTo>
+                  <a:pt x="6212951" y="314584"/>
+                </a:lnTo>
+                <a:cubicBezTo>
+                  <a:pt x="6745828" y="2551616"/>
+                  <a:pt x="6460994" y="4808873"/>
+                  <a:pt x="5540779" y="6756649"/>
+                </a:cubicBezTo>
+                <a:lnTo>
+                  <a:pt x="5489971" y="6858002"/>
+                </a:lnTo>
+                <a:lnTo>
+                  <a:pt x="0" y="6858002"/>
+                </a:lnTo>
+                <a:lnTo>
+                  <a:pt x="0" y="0"/>
+                </a:lnTo>
+                <a:close/>
+              </a:path>
+            </a:pathLst>
+          </a:custGeom>
+          <a:solidFill>
+            <a:schemeClr val="tx1">
+              <a:alpha val="80000"/>
+            </a:schemeClr>
+          </a:solidFill>
+          <a:ln>
+            <a:noFill/>
+          </a:ln>
+        </p:spPr>
+        <p:style>
+          <a:lnRef idx="2">
+            <a:schemeClr val="accent1">
+              <a:shade val="50000"/>
+            </a:schemeClr>
+          </a:lnRef>
+          <a:fillRef idx="1">
+            <a:schemeClr val="accent1"/>
+          </a:fillRef>
+          <a:effectRef idx="0">
+            <a:schemeClr val="accent1"/>
+          </a:effectRef>
+          <a:fontRef idx="minor">
+            <a:schemeClr val="lt1"/>
+          </a:fontRef>
+        </p:style>
+        <p:txBody>
+          <a:bodyPr wrap="square" rtlCol="0" anchor="ctr">
+            <a:noAutofit/>
+          </a:bodyPr>
+          <a:lstStyle/>
+          <a:p>
+            <a:pPr algn="ctr"/>
+            <a:endParaRPr lang="en-US"/>
+          </a:p>
+        </p:txBody>
+      </p:sp>
+      <p:sp useBgFill="1">
+        <p:nvSpPr>
+          <p:cNvPr id="13" name="Freeform: Shape 12">
+            <a:extLst>
+              <a:ext uri="{FF2B5EF4-FFF2-40B4-BE49-F238E27FC236}">
+                <a16:creationId xmlns:a16="http://schemas.microsoft.com/office/drawing/2014/main" id="{AC8710B4-A815-4082-9E4F-F13A0007090C}"/>
+              </a:ext>
+              <a:ext uri="{C183D7F6-B498-43B3-948B-1728B52AA6E4}">
+                <adec:decorative xmlns:adec="http://schemas.microsoft.com/office/drawing/2017/decorative" val="1"/>
+              </a:ext>
+            </a:extLst>
+          </p:cNvPr>
+          <p:cNvSpPr>
+            <a:spLocks noGrp="1" noRot="1" noChangeAspect="1" noMove="1" noResize="1" noEditPoints="1" noAdjustHandles="1" noChangeArrowheads="1" noChangeShapeType="1" noTextEdit="1"/>
+          </p:cNvSpPr>
+          <p:nvPr>
+            <p:extLst>
+              <p:ext uri="{386F3935-93C4-4BCD-93E2-E3B085C9AB24}">
+                <p16:designElem xmlns:p16="http://schemas.microsoft.com/office/powerpoint/2015/main" val="1"/>
+              </p:ext>
+            </p:extLst>
+          </p:nvPr>
+        </p:nvSpPr>
+        <p:spPr>
+          <a:xfrm flipH="1">
+            <a:off x="5942784" y="0"/>
+            <a:ext cx="6249216" cy="6858001"/>
+          </a:xfrm>
+          <a:custGeom>
+            <a:avLst/>
+            <a:gdLst>
+              <a:gd name="connsiteX0" fmla="*/ 0 w 6249216"/>
+              <a:gd name="connsiteY0" fmla="*/ 0 h 6858001"/>
+              <a:gd name="connsiteX1" fmla="*/ 5893742 w 6249216"/>
+              <a:gd name="connsiteY1" fmla="*/ 1 h 6858001"/>
+              <a:gd name="connsiteX2" fmla="*/ 5993697 w 6249216"/>
+              <a:gd name="connsiteY2" fmla="*/ 380651 h 6858001"/>
+              <a:gd name="connsiteX3" fmla="*/ 5308924 w 6249216"/>
+              <a:gd name="connsiteY3" fmla="*/ 6647018 h 6858001"/>
+              <a:gd name="connsiteX4" fmla="*/ 5200672 w 6249216"/>
+              <a:gd name="connsiteY4" fmla="*/ 6858001 h 6858001"/>
+              <a:gd name="connsiteX5" fmla="*/ 1 w 6249216"/>
+              <a:gd name="connsiteY5" fmla="*/ 6858001 h 6858001"/>
+            </a:gdLst>
+            <a:ahLst/>
+            <a:cxnLst>
+              <a:cxn ang="0">
+                <a:pos x="connsiteX0" y="connsiteY0"/>
+              </a:cxn>
+              <a:cxn ang="0">
+                <a:pos x="connsiteX1" y="connsiteY1"/>
+              </a:cxn>
+              <a:cxn ang="0">
+                <a:pos x="connsiteX2" y="connsiteY2"/>
+              </a:cxn>
+              <a:cxn ang="0">
+                <a:pos x="connsiteX3" y="connsiteY3"/>
+              </a:cxn>
+              <a:cxn ang="0">
+                <a:pos x="connsiteX4" y="connsiteY4"/>
+              </a:cxn>
+              <a:cxn ang="0">
+                <a:pos x="connsiteX5" y="connsiteY5"/>
+              </a:cxn>
+            </a:cxnLst>
+            <a:rect l="l" t="t" r="r" b="b"/>
+            <a:pathLst>
+              <a:path w="6249216" h="6858001">
+                <a:moveTo>
+                  <a:pt x="0" y="0"/>
+                </a:moveTo>
+                <a:lnTo>
+                  <a:pt x="5893742" y="1"/>
+                </a:lnTo>
+                <a:lnTo>
+                  <a:pt x="5993697" y="380651"/>
+                </a:lnTo>
+                <a:cubicBezTo>
+                  <a:pt x="6511353" y="2559611"/>
+                  <a:pt x="6222352" y="4758249"/>
+                  <a:pt x="5308924" y="6647018"/>
+                </a:cubicBezTo>
+                <a:lnTo>
+                  <a:pt x="5200672" y="6858001"/>
+                </a:lnTo>
+                <a:lnTo>
+                  <a:pt x="1" y="6858001"/>
+                </a:lnTo>
+                <a:close/>
+              </a:path>
+            </a:pathLst>
+          </a:custGeom>
+          <a:ln>
+            <a:noFill/>
+          </a:ln>
+        </p:spPr>
+        <p:style>
+          <a:lnRef idx="2">
+            <a:schemeClr val="accent1">
+              <a:shade val="50000"/>
+            </a:schemeClr>
+          </a:lnRef>
+          <a:fillRef idx="1">
+            <a:schemeClr val="accent1"/>
+          </a:fillRef>
+          <a:effectRef idx="0">
+            <a:schemeClr val="accent1"/>
+          </a:effectRef>
+          <a:fontRef idx="minor">
+            <a:schemeClr val="lt1"/>
+          </a:fontRef>
+        </p:style>
+        <p:txBody>
+          <a:bodyPr wrap="square" rtlCol="0" anchor="ctr">
+            <a:noAutofit/>
+          </a:bodyPr>
+          <a:lstStyle/>
+          <a:p>
+            <a:pPr algn="ctr"/>
+            <a:endParaRPr lang="en-US"/>
+          </a:p>
+        </p:txBody>
+      </p:sp>
+      <p:sp>
+        <p:nvSpPr>
+          <p:cNvPr id="2" name="Titel 1">
+            <a:extLst>
+              <a:ext uri="{FF2B5EF4-FFF2-40B4-BE49-F238E27FC236}">
+                <a16:creationId xmlns:a16="http://schemas.microsoft.com/office/drawing/2014/main" id="{342CD205-A316-4654-9307-57E7C89056E8}"/>
+              </a:ext>
+            </a:extLst>
+          </p:cNvPr>
+          <p:cNvSpPr>
+            <a:spLocks noGrp="1"/>
+          </p:cNvSpPr>
+          <p:nvPr>
+            <p:ph type="title"/>
+          </p:nvPr>
+        </p:nvSpPr>
+        <p:spPr>
+          <a:xfrm>
+            <a:off x="6801436" y="1396289"/>
+            <a:ext cx="4819952" cy="1325563"/>
+          </a:xfrm>
+        </p:spPr>
+        <p:txBody>
+          <a:bodyPr>
+            <a:normAutofit/>
+          </a:bodyPr>
+          <a:lstStyle/>
+          <a:p>
+            <a:r>
+              <a:rPr lang="de-AT" dirty="0" err="1"/>
+              <a:t>TicTacToe</a:t>
+            </a:r>
+            <a:endParaRPr lang="de-AT" dirty="0"/>
+          </a:p>
+        </p:txBody>
+      </p:sp>
+      <p:sp>
+        <p:nvSpPr>
+          <p:cNvPr id="3" name="Inhaltsplatzhalter 2">
+            <a:extLst>
+              <a:ext uri="{FF2B5EF4-FFF2-40B4-BE49-F238E27FC236}">
+                <a16:creationId xmlns:a16="http://schemas.microsoft.com/office/drawing/2014/main" id="{DB7C2F55-26B4-4AB4-9423-331F1D0CECE3}"/>
+              </a:ext>
+            </a:extLst>
+          </p:cNvPr>
+          <p:cNvSpPr>
+            <a:spLocks noGrp="1"/>
+          </p:cNvSpPr>
+          <p:nvPr>
+            <p:ph idx="1"/>
+          </p:nvPr>
+        </p:nvSpPr>
+        <p:spPr>
+          <a:xfrm>
+            <a:off x="6801435" y="2871982"/>
+            <a:ext cx="4819951" cy="3181684"/>
+          </a:xfrm>
+        </p:spPr>
+        <p:txBody>
+          <a:bodyPr anchor="t">
+            <a:normAutofit/>
+          </a:bodyPr>
+          <a:lstStyle/>
+          <a:p>
+            <a:r>
+              <a:rPr lang="de-AT" sz="1800" dirty="0"/>
+              <a:t>Simples </a:t>
+            </a:r>
+            <a:r>
+              <a:rPr lang="de-AT" sz="1800" dirty="0" err="1"/>
+              <a:t>TicTacToe</a:t>
+            </a:r>
+            <a:r>
+              <a:rPr lang="de-AT" sz="1800" dirty="0"/>
+              <a:t> im Minimalistischen Design</a:t>
+            </a:r>
+          </a:p>
+          <a:p>
+            <a:r>
+              <a:rPr lang="de-AT" sz="1800" dirty="0"/>
+              <a:t>Es wird mit einer Maus gespielt, die eingaben erfolgen abwechselnd</a:t>
+            </a:r>
+          </a:p>
+          <a:p>
+            <a:r>
+              <a:rPr lang="de-AT" sz="1800" dirty="0"/>
+              <a:t>Die Siegesbedingung liegt darin, 3 eigene Symbole in einer Reihe zu platzieren.</a:t>
+            </a:r>
+          </a:p>
+          <a:p>
+            <a:endParaRPr lang="de-AT" sz="1800" dirty="0"/>
+          </a:p>
+        </p:txBody>
+      </p:sp>
+    </p:spTree>
+    <p:extLst>
+      <p:ext uri="{BB962C8B-B14F-4D97-AF65-F5344CB8AC3E}">
+        <p14:creationId xmlns:p14="http://schemas.microsoft.com/office/powerpoint/2010/main" val="1949456490"/>
+      </p:ext>
+    </p:extLst>
+  </p:cSld>
+  <p:clrMapOvr>
+    <a:overrideClrMapping bg1="dk1" tx1="lt1" bg2="dk2" tx2="lt2" accent1="accent1" accent2="accent2" accent3="accent3" accent4="accent4" accent5="accent5" accent6="accent6" hlink="hlink" folHlink="folHlink"/>
+  </p:clrMapOvr>
+</p:sld>
+</file>
+
+<file path=ppt/slides/slide11.xml><?xml version="1.0" encoding="utf-8"?>
+<p:sld xmlns:a="http://schemas.openxmlformats.org/drawingml/2006/main" xmlns:r="http://schemas.openxmlformats.org/officeDocument/2006/relationships" xmlns:p="http://schemas.openxmlformats.org/presentationml/2006/main">
+  <p:cSld>
+    <p:bg>
+      <p:bgPr>
+        <a:solidFill>
           <a:schemeClr val="bg1"/>
         </a:solidFill>
         <a:effectLst/>
@@ -4245,7 +4707,7 @@
 </p:sld>
 </file>
 
-<file path=ppt/slides/slide11.xml><?xml version="1.0" encoding="utf-8"?>
+<file path=ppt/slides/slide12.xml><?xml version="1.0" encoding="utf-8"?>
 <p:sld xmlns:a="http://schemas.openxmlformats.org/drawingml/2006/main" xmlns:r="http://schemas.openxmlformats.org/officeDocument/2006/relationships" xmlns:p="http://schemas.openxmlformats.org/presentationml/2006/main">
   <p:cSld>
     <p:bg>
@@ -4640,7 +5102,7 @@
 </p:sld>
 </file>
 
-<file path=ppt/slides/slide12.xml><?xml version="1.0" encoding="utf-8"?>
+<file path=ppt/slides/slide13.xml><?xml version="1.0" encoding="utf-8"?>
 <p:sld xmlns:a="http://schemas.openxmlformats.org/drawingml/2006/main" xmlns:r="http://schemas.openxmlformats.org/officeDocument/2006/relationships" xmlns:p="http://schemas.openxmlformats.org/presentationml/2006/main">
   <p:cSld>
     <p:bg>
@@ -5046,7 +5508,7 @@
 </p:sld>
 </file>
 
-<file path=ppt/slides/slide13.xml><?xml version="1.0" encoding="utf-8"?>
+<file path=ppt/slides/slide14.xml><?xml version="1.0" encoding="utf-8"?>
 <p:sld xmlns:a="http://schemas.openxmlformats.org/drawingml/2006/main" xmlns:r="http://schemas.openxmlformats.org/officeDocument/2006/relationships" xmlns:p="http://schemas.openxmlformats.org/presentationml/2006/main">
   <p:cSld>
     <p:bg>
@@ -7398,20 +7860,20 @@
           <a:lstStyle/>
           <a:p>
             <a:r>
-              <a:rPr lang="de-AT" sz="1800"/>
-              <a:t>Bla</a:t>
-            </a:r>
-          </a:p>
-          <a:p>
-            <a:r>
-              <a:rPr lang="de-AT" sz="1800"/>
-              <a:t>Bla</a:t>
-            </a:r>
-          </a:p>
-          <a:p>
-            <a:r>
-              <a:rPr lang="de-AT" sz="1800"/>
-              <a:t>bla</a:t>
+              <a:rPr lang="de-AT" sz="1800" dirty="0"/>
+              <a:t>Einfaches Memory mit minimalistischen Design</a:t>
+            </a:r>
+          </a:p>
+          <a:p>
+            <a:r>
+              <a:rPr lang="de-AT" sz="1800" dirty="0"/>
+              <a:t>Die „Karten“ lassen sich mithilfe von Symbolen und Farben unterscheiden - Barrierefrei</a:t>
+            </a:r>
+          </a:p>
+          <a:p>
+            <a:r>
+              <a:rPr lang="de-AT" sz="1800" dirty="0"/>
+              <a:t>Am Ende des Spiels wird die Leistung mit 0-3 Sternen bewertet</a:t>
             </a:r>
           </a:p>
         </p:txBody>
@@ -7435,10 +7897,7 @@
     <p:bg>
       <p:bgPr>
         <a:solidFill>
-          <a:schemeClr val="bg1">
-            <a:tint val="95000"/>
-            <a:satMod val="170000"/>
-          </a:schemeClr>
+          <a:schemeClr val="bg1"/>
         </a:solidFill>
         <a:effectLst/>
       </p:bgPr>
@@ -7457,82 +7916,12 @@
           <a:chExt cx="0" cy="0"/>
         </a:xfrm>
       </p:grpSpPr>
-      <p:pic>
-        <p:nvPicPr>
-          <p:cNvPr id="5" name="Grafik 4">
-            <a:extLst>
-              <a:ext uri="{FF2B5EF4-FFF2-40B4-BE49-F238E27FC236}">
-                <a16:creationId xmlns:a16="http://schemas.microsoft.com/office/drawing/2014/main" id="{8165C22C-6FAA-4B48-8868-C557A393E786}"/>
-              </a:ext>
-            </a:extLst>
-          </p:cNvPr>
-          <p:cNvPicPr>
-            <a:picLocks noChangeAspect="1"/>
-          </p:cNvPicPr>
-          <p:nvPr/>
-        </p:nvPicPr>
-        <p:blipFill rotWithShape="1">
-          <a:blip r:embed="rId2">
-            <a:extLst>
-              <a:ext uri="{28A0092B-C50C-407E-A947-70E740481C1C}">
-                <a14:useLocalDpi xmlns:a14="http://schemas.microsoft.com/office/drawing/2010/main" val="0"/>
-              </a:ext>
-            </a:extLst>
-          </a:blip>
-          <a:srcRect t="2167" r="2" b="2"/>
-          <a:stretch/>
-        </p:blipFill>
-        <p:spPr>
-          <a:xfrm>
-            <a:off x="20" y="10"/>
-            <a:ext cx="7009876" cy="6857990"/>
-          </a:xfrm>
-          <a:custGeom>
-            <a:avLst/>
-            <a:gdLst/>
-            <a:ahLst/>
-            <a:cxnLst/>
-            <a:rect l="l" t="t" r="r" b="b"/>
-            <a:pathLst>
-              <a:path w="7009896" h="6858000">
-                <a:moveTo>
-                  <a:pt x="0" y="0"/>
-                </a:moveTo>
-                <a:lnTo>
-                  <a:pt x="7009896" y="0"/>
-                </a:lnTo>
-                <a:lnTo>
-                  <a:pt x="7009896" y="1"/>
-                </a:lnTo>
-                <a:lnTo>
-                  <a:pt x="6295211" y="1"/>
-                </a:lnTo>
-                <a:lnTo>
-                  <a:pt x="6195255" y="380651"/>
-                </a:lnTo>
-                <a:cubicBezTo>
-                  <a:pt x="5677600" y="2559611"/>
-                  <a:pt x="5966601" y="4758249"/>
-                  <a:pt x="6880029" y="6647018"/>
-                </a:cubicBezTo>
-                <a:lnTo>
-                  <a:pt x="6988280" y="6858000"/>
-                </a:lnTo>
-                <a:lnTo>
-                  <a:pt x="0" y="6858000"/>
-                </a:lnTo>
-                <a:close/>
-              </a:path>
-            </a:pathLst>
-          </a:custGeom>
-        </p:spPr>
-      </p:pic>
-      <p:sp>
-        <p:nvSpPr>
-          <p:cNvPr id="10" name="Freeform: Shape 9">
-            <a:extLst>
-              <a:ext uri="{FF2B5EF4-FFF2-40B4-BE49-F238E27FC236}">
-                <a16:creationId xmlns:a16="http://schemas.microsoft.com/office/drawing/2014/main" id="{5FDF4720-5445-47BE-89FE-E40D1AE6F619}"/>
+      <p:sp useBgFill="1">
+        <p:nvSpPr>
+          <p:cNvPr id="14" name="Rectangle 13">
+            <a:extLst>
+              <a:ext uri="{FF2B5EF4-FFF2-40B4-BE49-F238E27FC236}">
+                <a16:creationId xmlns:a16="http://schemas.microsoft.com/office/drawing/2014/main" id="{262ABC4B-37D8-4218-BDD8-6DF6A00C0C80}"/>
               </a:ext>
               <a:ext uri="{C183D7F6-B498-43B3-948B-1728B52AA6E4}">
                 <adec:decorative xmlns:adec="http://schemas.microsoft.com/office/drawing/2017/decorative" val="1"/>
@@ -7550,80 +7939,14 @@
             </p:extLst>
           </p:nvPr>
         </p:nvSpPr>
-        <p:spPr>
-          <a:xfrm flipH="1">
-            <a:off x="5711927" y="-1"/>
-            <a:ext cx="6480073" cy="6858002"/>
+        <p:spPr bwMode="white">
+          <a:xfrm>
+            <a:off x="1524" y="0"/>
+            <a:ext cx="12188952" cy="6858000"/>
           </a:xfrm>
-          <a:custGeom>
+          <a:prstGeom prst="rect">
             <a:avLst/>
-            <a:gdLst>
-              <a:gd name="connsiteX0" fmla="*/ 6130244 w 6480073"/>
-              <a:gd name="connsiteY0" fmla="*/ 0 h 6858002"/>
-              <a:gd name="connsiteX1" fmla="*/ 6212951 w 6480073"/>
-              <a:gd name="connsiteY1" fmla="*/ 314584 h 6858002"/>
-              <a:gd name="connsiteX2" fmla="*/ 5540779 w 6480073"/>
-              <a:gd name="connsiteY2" fmla="*/ 6756649 h 6858002"/>
-              <a:gd name="connsiteX3" fmla="*/ 5489971 w 6480073"/>
-              <a:gd name="connsiteY3" fmla="*/ 6858002 h 6858002"/>
-              <a:gd name="connsiteX4" fmla="*/ 0 w 6480073"/>
-              <a:gd name="connsiteY4" fmla="*/ 6858002 h 6858002"/>
-              <a:gd name="connsiteX5" fmla="*/ 0 w 6480073"/>
-              <a:gd name="connsiteY5" fmla="*/ 0 h 6858002"/>
-            </a:gdLst>
-            <a:ahLst/>
-            <a:cxnLst>
-              <a:cxn ang="0">
-                <a:pos x="connsiteX0" y="connsiteY0"/>
-              </a:cxn>
-              <a:cxn ang="0">
-                <a:pos x="connsiteX1" y="connsiteY1"/>
-              </a:cxn>
-              <a:cxn ang="0">
-                <a:pos x="connsiteX2" y="connsiteY2"/>
-              </a:cxn>
-              <a:cxn ang="0">
-                <a:pos x="connsiteX3" y="connsiteY3"/>
-              </a:cxn>
-              <a:cxn ang="0">
-                <a:pos x="connsiteX4" y="connsiteY4"/>
-              </a:cxn>
-              <a:cxn ang="0">
-                <a:pos x="connsiteX5" y="connsiteY5"/>
-              </a:cxn>
-            </a:cxnLst>
-            <a:rect l="l" t="t" r="r" b="b"/>
-            <a:pathLst>
-              <a:path w="6480073" h="6858002">
-                <a:moveTo>
-                  <a:pt x="6130244" y="0"/>
-                </a:moveTo>
-                <a:lnTo>
-                  <a:pt x="6212951" y="314584"/>
-                </a:lnTo>
-                <a:cubicBezTo>
-                  <a:pt x="6745828" y="2551616"/>
-                  <a:pt x="6460994" y="4808873"/>
-                  <a:pt x="5540779" y="6756649"/>
-                </a:cubicBezTo>
-                <a:lnTo>
-                  <a:pt x="5489971" y="6858002"/>
-                </a:lnTo>
-                <a:lnTo>
-                  <a:pt x="0" y="6858002"/>
-                </a:lnTo>
-                <a:lnTo>
-                  <a:pt x="0" y="0"/>
-                </a:lnTo>
-                <a:close/>
-              </a:path>
-            </a:pathLst>
-          </a:custGeom>
-          <a:solidFill>
-            <a:schemeClr val="tx1">
-              <a:alpha val="80000"/>
-            </a:schemeClr>
-          </a:solidFill>
+          </a:prstGeom>
           <a:ln>
             <a:noFill/>
           </a:ln>
@@ -7645,233 +7968,204 @@
           </a:fontRef>
         </p:style>
         <p:txBody>
-          <a:bodyPr wrap="square" rtlCol="0" anchor="ctr">
-            <a:noAutofit/>
-          </a:bodyPr>
-          <a:lstStyle/>
+          <a:bodyPr rtlCol="0" anchor="ctr"/>
+          <a:lstStyle>
+            <a:defPPr>
+              <a:defRPr lang="en-US"/>
+            </a:defPPr>
+            <a:lvl1pPr marL="0" algn="l" defTabSz="914400" rtl="0" eaLnBrk="1" latinLnBrk="0" hangingPunct="1">
+              <a:defRPr sz="1800" kern="1200">
+                <a:solidFill>
+                  <a:schemeClr val="lt1"/>
+                </a:solidFill>
+                <a:latin typeface="+mn-lt"/>
+                <a:ea typeface="+mn-ea"/>
+                <a:cs typeface="+mn-cs"/>
+              </a:defRPr>
+            </a:lvl1pPr>
+            <a:lvl2pPr marL="457200" algn="l" defTabSz="914400" rtl="0" eaLnBrk="1" latinLnBrk="0" hangingPunct="1">
+              <a:defRPr sz="1800" kern="1200">
+                <a:solidFill>
+                  <a:schemeClr val="lt1"/>
+                </a:solidFill>
+                <a:latin typeface="+mn-lt"/>
+                <a:ea typeface="+mn-ea"/>
+                <a:cs typeface="+mn-cs"/>
+              </a:defRPr>
+            </a:lvl2pPr>
+            <a:lvl3pPr marL="914400" algn="l" defTabSz="914400" rtl="0" eaLnBrk="1" latinLnBrk="0" hangingPunct="1">
+              <a:defRPr sz="1800" kern="1200">
+                <a:solidFill>
+                  <a:schemeClr val="lt1"/>
+                </a:solidFill>
+                <a:latin typeface="+mn-lt"/>
+                <a:ea typeface="+mn-ea"/>
+                <a:cs typeface="+mn-cs"/>
+              </a:defRPr>
+            </a:lvl3pPr>
+            <a:lvl4pPr marL="1371600" algn="l" defTabSz="914400" rtl="0" eaLnBrk="1" latinLnBrk="0" hangingPunct="1">
+              <a:defRPr sz="1800" kern="1200">
+                <a:solidFill>
+                  <a:schemeClr val="lt1"/>
+                </a:solidFill>
+                <a:latin typeface="+mn-lt"/>
+                <a:ea typeface="+mn-ea"/>
+                <a:cs typeface="+mn-cs"/>
+              </a:defRPr>
+            </a:lvl4pPr>
+            <a:lvl5pPr marL="1828800" algn="l" defTabSz="914400" rtl="0" eaLnBrk="1" latinLnBrk="0" hangingPunct="1">
+              <a:defRPr sz="1800" kern="1200">
+                <a:solidFill>
+                  <a:schemeClr val="lt1"/>
+                </a:solidFill>
+                <a:latin typeface="+mn-lt"/>
+                <a:ea typeface="+mn-ea"/>
+                <a:cs typeface="+mn-cs"/>
+              </a:defRPr>
+            </a:lvl5pPr>
+            <a:lvl6pPr marL="2286000" algn="l" defTabSz="914400" rtl="0" eaLnBrk="1" latinLnBrk="0" hangingPunct="1">
+              <a:defRPr sz="1800" kern="1200">
+                <a:solidFill>
+                  <a:schemeClr val="lt1"/>
+                </a:solidFill>
+                <a:latin typeface="+mn-lt"/>
+                <a:ea typeface="+mn-ea"/>
+                <a:cs typeface="+mn-cs"/>
+              </a:defRPr>
+            </a:lvl6pPr>
+            <a:lvl7pPr marL="2743200" algn="l" defTabSz="914400" rtl="0" eaLnBrk="1" latinLnBrk="0" hangingPunct="1">
+              <a:defRPr sz="1800" kern="1200">
+                <a:solidFill>
+                  <a:schemeClr val="lt1"/>
+                </a:solidFill>
+                <a:latin typeface="+mn-lt"/>
+                <a:ea typeface="+mn-ea"/>
+                <a:cs typeface="+mn-cs"/>
+              </a:defRPr>
+            </a:lvl7pPr>
+            <a:lvl8pPr marL="3200400" algn="l" defTabSz="914400" rtl="0" eaLnBrk="1" latinLnBrk="0" hangingPunct="1">
+              <a:defRPr sz="1800" kern="1200">
+                <a:solidFill>
+                  <a:schemeClr val="lt1"/>
+                </a:solidFill>
+                <a:latin typeface="+mn-lt"/>
+                <a:ea typeface="+mn-ea"/>
+                <a:cs typeface="+mn-cs"/>
+              </a:defRPr>
+            </a:lvl8pPr>
+            <a:lvl9pPr marL="3657600" algn="l" defTabSz="914400" rtl="0" eaLnBrk="1" latinLnBrk="0" hangingPunct="1">
+              <a:defRPr sz="1800" kern="1200">
+                <a:solidFill>
+                  <a:schemeClr val="lt1"/>
+                </a:solidFill>
+                <a:latin typeface="+mn-lt"/>
+                <a:ea typeface="+mn-ea"/>
+                <a:cs typeface="+mn-cs"/>
+              </a:defRPr>
+            </a:lvl9pPr>
+          </a:lstStyle>
           <a:p>
             <a:pPr algn="ctr"/>
             <a:endParaRPr lang="en-US"/>
           </a:p>
         </p:txBody>
       </p:sp>
-      <p:sp useBgFill="1">
-        <p:nvSpPr>
-          <p:cNvPr id="12" name="Freeform: Shape 11">
-            <a:extLst>
-              <a:ext uri="{FF2B5EF4-FFF2-40B4-BE49-F238E27FC236}">
-                <a16:creationId xmlns:a16="http://schemas.microsoft.com/office/drawing/2014/main" id="{AC8710B4-A815-4082-9E4F-F13A0007090C}"/>
-              </a:ext>
-              <a:ext uri="{C183D7F6-B498-43B3-948B-1728B52AA6E4}">
-                <adec:decorative xmlns:adec="http://schemas.microsoft.com/office/drawing/2017/decorative" val="1"/>
-              </a:ext>
-            </a:extLst>
-          </p:cNvPr>
-          <p:cNvSpPr>
-            <a:spLocks noGrp="1" noRot="1" noChangeAspect="1" noMove="1" noResize="1" noEditPoints="1" noAdjustHandles="1" noChangeArrowheads="1" noChangeShapeType="1" noTextEdit="1"/>
-          </p:cNvSpPr>
-          <p:nvPr>
-            <p:extLst>
-              <p:ext uri="{386F3935-93C4-4BCD-93E2-E3B085C9AB24}">
-                <p16:designElem xmlns:p16="http://schemas.microsoft.com/office/powerpoint/2015/main" val="1"/>
-              </p:ext>
-            </p:extLst>
-          </p:nvPr>
-        </p:nvSpPr>
-        <p:spPr>
-          <a:xfrm flipH="1">
-            <a:off x="5942784" y="0"/>
-            <a:ext cx="6249216" cy="6858001"/>
-          </a:xfrm>
-          <a:custGeom>
-            <a:avLst/>
-            <a:gdLst>
-              <a:gd name="connsiteX0" fmla="*/ 0 w 6249216"/>
-              <a:gd name="connsiteY0" fmla="*/ 0 h 6858001"/>
-              <a:gd name="connsiteX1" fmla="*/ 5893742 w 6249216"/>
-              <a:gd name="connsiteY1" fmla="*/ 1 h 6858001"/>
-              <a:gd name="connsiteX2" fmla="*/ 5993697 w 6249216"/>
-              <a:gd name="connsiteY2" fmla="*/ 380651 h 6858001"/>
-              <a:gd name="connsiteX3" fmla="*/ 5308924 w 6249216"/>
-              <a:gd name="connsiteY3" fmla="*/ 6647018 h 6858001"/>
-              <a:gd name="connsiteX4" fmla="*/ 5200672 w 6249216"/>
-              <a:gd name="connsiteY4" fmla="*/ 6858001 h 6858001"/>
-              <a:gd name="connsiteX5" fmla="*/ 1 w 6249216"/>
-              <a:gd name="connsiteY5" fmla="*/ 6858001 h 6858001"/>
-            </a:gdLst>
-            <a:ahLst/>
-            <a:cxnLst>
-              <a:cxn ang="0">
-                <a:pos x="connsiteX0" y="connsiteY0"/>
-              </a:cxn>
-              <a:cxn ang="0">
-                <a:pos x="connsiteX1" y="connsiteY1"/>
-              </a:cxn>
-              <a:cxn ang="0">
-                <a:pos x="connsiteX2" y="connsiteY2"/>
-              </a:cxn>
-              <a:cxn ang="0">
-                <a:pos x="connsiteX3" y="connsiteY3"/>
-              </a:cxn>
-              <a:cxn ang="0">
-                <a:pos x="connsiteX4" y="connsiteY4"/>
-              </a:cxn>
-              <a:cxn ang="0">
-                <a:pos x="connsiteX5" y="connsiteY5"/>
-              </a:cxn>
-            </a:cxnLst>
-            <a:rect l="l" t="t" r="r" b="b"/>
-            <a:pathLst>
-              <a:path w="6249216" h="6858001">
-                <a:moveTo>
-                  <a:pt x="0" y="0"/>
-                </a:moveTo>
-                <a:lnTo>
-                  <a:pt x="5893742" y="1"/>
-                </a:lnTo>
-                <a:lnTo>
-                  <a:pt x="5993697" y="380651"/>
-                </a:lnTo>
-                <a:cubicBezTo>
-                  <a:pt x="6511353" y="2559611"/>
-                  <a:pt x="6222352" y="4758249"/>
-                  <a:pt x="5308924" y="6647018"/>
-                </a:cubicBezTo>
-                <a:lnTo>
-                  <a:pt x="5200672" y="6858001"/>
-                </a:lnTo>
-                <a:lnTo>
-                  <a:pt x="1" y="6858001"/>
-                </a:lnTo>
-                <a:close/>
-              </a:path>
-            </a:pathLst>
-          </a:custGeom>
-          <a:ln>
-            <a:noFill/>
-          </a:ln>
-        </p:spPr>
-        <p:style>
-          <a:lnRef idx="2">
-            <a:schemeClr val="accent1">
-              <a:shade val="50000"/>
-            </a:schemeClr>
-          </a:lnRef>
-          <a:fillRef idx="1">
-            <a:schemeClr val="accent1"/>
-          </a:fillRef>
-          <a:effectRef idx="0">
-            <a:schemeClr val="accent1"/>
-          </a:effectRef>
-          <a:fontRef idx="minor">
-            <a:schemeClr val="lt1"/>
-          </a:fontRef>
-        </p:style>
-        <p:txBody>
-          <a:bodyPr wrap="square" rtlCol="0" anchor="ctr">
-            <a:noAutofit/>
-          </a:bodyPr>
-          <a:lstStyle/>
-          <a:p>
-            <a:pPr algn="ctr"/>
-            <a:endParaRPr lang="en-US"/>
-          </a:p>
-        </p:txBody>
-      </p:sp>
-      <p:sp>
-        <p:nvSpPr>
-          <p:cNvPr id="2" name="Titel 1">
-            <a:extLst>
-              <a:ext uri="{FF2B5EF4-FFF2-40B4-BE49-F238E27FC236}">
-                <a16:creationId xmlns:a16="http://schemas.microsoft.com/office/drawing/2014/main" id="{342CD205-A316-4654-9307-57E7C89056E8}"/>
-              </a:ext>
-            </a:extLst>
-          </p:cNvPr>
-          <p:cNvSpPr>
-            <a:spLocks noGrp="1"/>
-          </p:cNvSpPr>
-          <p:nvPr>
-            <p:ph type="title"/>
-          </p:nvPr>
-        </p:nvSpPr>
+      <p:pic>
+        <p:nvPicPr>
+          <p:cNvPr id="9" name="Grafik 8">
+            <a:extLst>
+              <a:ext uri="{FF2B5EF4-FFF2-40B4-BE49-F238E27FC236}">
+                <a16:creationId xmlns:a16="http://schemas.microsoft.com/office/drawing/2014/main" id="{84B1074B-A0DD-4F99-A5CF-FD50610E9B31}"/>
+              </a:ext>
+            </a:extLst>
+          </p:cNvPr>
+          <p:cNvPicPr>
+            <a:picLocks noChangeAspect="1"/>
+          </p:cNvPicPr>
+          <p:nvPr/>
+        </p:nvPicPr>
+        <p:blipFill rotWithShape="1">
+          <a:blip r:embed="rId2"/>
+          <a:srcRect t="25026" b="22734"/>
+          <a:stretch/>
+        </p:blipFill>
         <p:spPr>
           <a:xfrm>
-            <a:off x="6801436" y="1396289"/>
-            <a:ext cx="4819952" cy="1325563"/>
+            <a:off x="321730" y="321732"/>
+            <a:ext cx="5674897" cy="3017405"/>
           </a:xfrm>
+          <a:prstGeom prst="rect">
+            <a:avLst/>
+          </a:prstGeom>
         </p:spPr>
-        <p:txBody>
-          <a:bodyPr>
-            <a:normAutofit/>
-          </a:bodyPr>
-          <a:lstStyle/>
-          <a:p>
-            <a:r>
-              <a:rPr lang="de-AT" dirty="0"/>
-              <a:t>Pong</a:t>
-            </a:r>
-          </a:p>
-        </p:txBody>
-      </p:sp>
-      <p:sp>
-        <p:nvSpPr>
-          <p:cNvPr id="3" name="Inhaltsplatzhalter 2">
-            <a:extLst>
-              <a:ext uri="{FF2B5EF4-FFF2-40B4-BE49-F238E27FC236}">
-                <a16:creationId xmlns:a16="http://schemas.microsoft.com/office/drawing/2014/main" id="{DB7C2F55-26B4-4AB4-9423-331F1D0CECE3}"/>
-              </a:ext>
-            </a:extLst>
-          </p:cNvPr>
-          <p:cNvSpPr>
-            <a:spLocks noGrp="1"/>
-          </p:cNvSpPr>
-          <p:nvPr>
-            <p:ph idx="1"/>
-          </p:nvPr>
-        </p:nvSpPr>
+      </p:pic>
+      <p:pic>
+        <p:nvPicPr>
+          <p:cNvPr id="5" name="Grafik 4">
+            <a:extLst>
+              <a:ext uri="{FF2B5EF4-FFF2-40B4-BE49-F238E27FC236}">
+                <a16:creationId xmlns:a16="http://schemas.microsoft.com/office/drawing/2014/main" id="{E0D903B4-C1EC-4F06-ABFC-EE9CEFFBD4DF}"/>
+              </a:ext>
+            </a:extLst>
+          </p:cNvPr>
+          <p:cNvPicPr>
+            <a:picLocks noChangeAspect="1"/>
+          </p:cNvPicPr>
+          <p:nvPr/>
+        </p:nvPicPr>
+        <p:blipFill rotWithShape="1">
+          <a:blip r:embed="rId3"/>
+          <a:srcRect r="-2" b="19072"/>
+          <a:stretch/>
+        </p:blipFill>
         <p:spPr>
           <a:xfrm>
-            <a:off x="6801435" y="2871982"/>
-            <a:ext cx="4819951" cy="3181684"/>
+            <a:off x="321730" y="3510853"/>
+            <a:ext cx="5674897" cy="2789954"/>
           </a:xfrm>
+          <a:prstGeom prst="rect">
+            <a:avLst/>
+          </a:prstGeom>
         </p:spPr>
-        <p:txBody>
-          <a:bodyPr anchor="t">
-            <a:normAutofit/>
-          </a:bodyPr>
-          <a:lstStyle/>
-          <a:p>
-            <a:r>
-              <a:rPr lang="de-AT" sz="1800"/>
-              <a:t>Bla</a:t>
-            </a:r>
-          </a:p>
-          <a:p>
-            <a:r>
-              <a:rPr lang="de-AT" sz="1800"/>
-              <a:t>Bla</a:t>
-            </a:r>
-          </a:p>
-          <a:p>
-            <a:r>
-              <a:rPr lang="de-AT" sz="1800"/>
-              <a:t>Bla</a:t>
-            </a:r>
-          </a:p>
-          <a:p>
-            <a:endParaRPr lang="de-AT" sz="1800"/>
-          </a:p>
-        </p:txBody>
-      </p:sp>
+      </p:pic>
+      <p:pic>
+        <p:nvPicPr>
+          <p:cNvPr id="7" name="Grafik 6">
+            <a:extLst>
+              <a:ext uri="{FF2B5EF4-FFF2-40B4-BE49-F238E27FC236}">
+                <a16:creationId xmlns:a16="http://schemas.microsoft.com/office/drawing/2014/main" id="{E9AB55E3-9F96-438A-8061-B2C8A62A20D6}"/>
+              </a:ext>
+            </a:extLst>
+          </p:cNvPr>
+          <p:cNvPicPr>
+            <a:picLocks noChangeAspect="1"/>
+          </p:cNvPicPr>
+          <p:nvPr/>
+        </p:nvPicPr>
+        <p:blipFill rotWithShape="1">
+          <a:blip r:embed="rId4"/>
+          <a:srcRect r="3399" b="2"/>
+          <a:stretch/>
+        </p:blipFill>
+        <p:spPr>
+          <a:xfrm>
+            <a:off x="6195373" y="321733"/>
+            <a:ext cx="5674897" cy="5979074"/>
+          </a:xfrm>
+          <a:prstGeom prst="rect">
+            <a:avLst/>
+          </a:prstGeom>
+        </p:spPr>
+      </p:pic>
     </p:spTree>
     <p:extLst>
       <p:ext uri="{BB962C8B-B14F-4D97-AF65-F5344CB8AC3E}">
-        <p14:creationId xmlns:p14="http://schemas.microsoft.com/office/powerpoint/2010/main" val="2340149209"/>
+        <p14:creationId xmlns:p14="http://schemas.microsoft.com/office/powerpoint/2010/main" val="3584709401"/>
       </p:ext>
     </p:extLst>
   </p:cSld>
   <p:clrMapOvr>
-    <a:overrideClrMapping bg1="dk1" tx1="lt1" bg2="dk2" tx2="lt2" accent1="accent1" accent2="accent2" accent3="accent3" accent4="accent4" accent5="accent5" accent6="accent6" hlink="hlink" folHlink="folHlink"/>
+    <a:masterClrMapping/>
   </p:clrMapOvr>
 </p:sld>
 </file>
@@ -7906,10 +8200,10 @@
       </p:grpSpPr>
       <p:pic>
         <p:nvPicPr>
-          <p:cNvPr id="6" name="Grafik 5">
-            <a:extLst>
-              <a:ext uri="{FF2B5EF4-FFF2-40B4-BE49-F238E27FC236}">
-                <a16:creationId xmlns:a16="http://schemas.microsoft.com/office/drawing/2014/main" id="{FFA6E269-BF3A-4A65-B927-DC70F9EA395A}"/>
+          <p:cNvPr id="5" name="Grafik 4">
+            <a:extLst>
+              <a:ext uri="{FF2B5EF4-FFF2-40B4-BE49-F238E27FC236}">
+                <a16:creationId xmlns:a16="http://schemas.microsoft.com/office/drawing/2014/main" id="{8165C22C-6FAA-4B48-8868-C557A393E786}"/>
               </a:ext>
             </a:extLst>
           </p:cNvPr>
@@ -7926,7 +8220,7 @@
               </a:ext>
             </a:extLst>
           </a:blip>
-          <a:srcRect t="919" r="2" b="1250"/>
+          <a:srcRect t="2167" r="2" b="2"/>
           <a:stretch/>
         </p:blipFill>
         <p:spPr>
@@ -7976,7 +8270,7 @@
       </p:pic>
       <p:sp>
         <p:nvSpPr>
-          <p:cNvPr id="11" name="Freeform: Shape 10">
+          <p:cNvPr id="10" name="Freeform: Shape 9">
             <a:extLst>
               <a:ext uri="{FF2B5EF4-FFF2-40B4-BE49-F238E27FC236}">
                 <a16:creationId xmlns:a16="http://schemas.microsoft.com/office/drawing/2014/main" id="{5FDF4720-5445-47BE-89FE-E40D1AE6F619}"/>
@@ -8104,7 +8398,7 @@
       </p:sp>
       <p:sp useBgFill="1">
         <p:nvSpPr>
-          <p:cNvPr id="13" name="Freeform: Shape 12">
+          <p:cNvPr id="12" name="Freeform: Shape 11">
             <a:extLst>
               <a:ext uri="{FF2B5EF4-FFF2-40B4-BE49-F238E27FC236}">
                 <a16:creationId xmlns:a16="http://schemas.microsoft.com/office/drawing/2014/main" id="{AC8710B4-A815-4082-9E4F-F13A0007090C}"/>
@@ -8255,7 +8549,7 @@
           <a:p>
             <a:r>
               <a:rPr lang="de-AT" dirty="0"/>
-              <a:t>2048</a:t>
+              <a:t>Pong</a:t>
             </a:r>
           </a:p>
         </p:txBody>
@@ -8289,31 +8583,31 @@
           <a:lstStyle/>
           <a:p>
             <a:r>
-              <a:rPr lang="de-AT" sz="1800"/>
-              <a:t>Bla</a:t>
-            </a:r>
-          </a:p>
-          <a:p>
-            <a:r>
-              <a:rPr lang="de-AT" sz="1800"/>
-              <a:t>Bla</a:t>
-            </a:r>
-          </a:p>
-          <a:p>
-            <a:r>
-              <a:rPr lang="de-AT" sz="1800"/>
-              <a:t>Bla</a:t>
-            </a:r>
-          </a:p>
-          <a:p>
-            <a:endParaRPr lang="de-AT" sz="1800"/>
+              <a:rPr lang="de-AT" sz="1800" dirty="0"/>
+              <a:t>In Pong tritt man gegen einen Bot an, der mit jeder Runde besser wird.</a:t>
+            </a:r>
+          </a:p>
+          <a:p>
+            <a:r>
+              <a:rPr lang="de-AT" sz="1800" dirty="0"/>
+              <a:t>Das Spiel geht bis 10</a:t>
+            </a:r>
+          </a:p>
+          <a:p>
+            <a:r>
+              <a:rPr lang="de-AT" sz="1800" dirty="0"/>
+              <a:t>Steuerung erfolgt via Pfeiltasten</a:t>
+            </a:r>
+          </a:p>
+          <a:p>
+            <a:endParaRPr lang="de-AT" sz="1800" dirty="0"/>
           </a:p>
         </p:txBody>
       </p:sp>
     </p:spTree>
     <p:extLst>
       <p:ext uri="{BB962C8B-B14F-4D97-AF65-F5344CB8AC3E}">
-        <p14:creationId xmlns:p14="http://schemas.microsoft.com/office/powerpoint/2010/main" val="2099552161"/>
+        <p14:creationId xmlns:p14="http://schemas.microsoft.com/office/powerpoint/2010/main" val="2340149209"/>
       </p:ext>
     </p:extLst>
   </p:cSld>
@@ -8356,7 +8650,7 @@
           <p:cNvPr id="6" name="Grafik 5">
             <a:extLst>
               <a:ext uri="{FF2B5EF4-FFF2-40B4-BE49-F238E27FC236}">
-                <a16:creationId xmlns:a16="http://schemas.microsoft.com/office/drawing/2014/main" id="{17F8130F-0D02-456C-BA29-8C159CDB0819}"/>
+                <a16:creationId xmlns:a16="http://schemas.microsoft.com/office/drawing/2014/main" id="{FFA6E269-BF3A-4A65-B927-DC70F9EA395A}"/>
               </a:ext>
             </a:extLst>
           </p:cNvPr>
@@ -8373,7 +8667,7 @@
               </a:ext>
             </a:extLst>
           </a:blip>
-          <a:srcRect t="2167" r="2" b="2"/>
+          <a:srcRect t="919" r="2" b="1250"/>
           <a:stretch/>
         </p:blipFill>
         <p:spPr>
@@ -8701,10 +8995,9 @@
           <a:lstStyle/>
           <a:p>
             <a:r>
-              <a:rPr lang="de-AT" dirty="0" err="1"/>
-              <a:t>TicTacToe</a:t>
-            </a:r>
-            <a:endParaRPr lang="de-AT" dirty="0"/>
+              <a:rPr lang="de-AT" dirty="0"/>
+              <a:t>2048</a:t>
+            </a:r>
           </a:p>
         </p:txBody>
       </p:sp>
@@ -8738,24 +9031,19 @@
           <a:p>
             <a:r>
               <a:rPr lang="de-AT" sz="1800" dirty="0"/>
-              <a:t>Klassisches </a:t>
-            </a:r>
-            <a:r>
-              <a:rPr lang="de-AT" sz="1800" dirty="0" err="1"/>
-              <a:t>TicTacToe</a:t>
-            </a:r>
-            <a:endParaRPr lang="de-AT" sz="1800" dirty="0"/>
+              <a:t>Ein Spiel fürs Köpfchen</a:t>
+            </a:r>
           </a:p>
           <a:p>
             <a:r>
               <a:rPr lang="de-AT" sz="1800" dirty="0"/>
-              <a:t>Punktezähler</a:t>
+              <a:t>Mithilfe der Pfeiltasten werden die Kästchen bewegt</a:t>
             </a:r>
           </a:p>
           <a:p>
             <a:r>
               <a:rPr lang="de-AT" sz="1800" dirty="0"/>
-              <a:t>Sieg oder Unentschieden</a:t>
+              <a:t>Die Zahlen werden beim erfolgreichen „Zusammenfügen“ mit 2 multipliziert. Man gewinnt, wenn eine der Boxen den Wert 2048 erreich</a:t>
             </a:r>
           </a:p>
           <a:p>
@@ -8766,7 +9054,7 @@
     </p:spTree>
     <p:extLst>
       <p:ext uri="{BB962C8B-B14F-4D97-AF65-F5344CB8AC3E}">
-        <p14:creationId xmlns:p14="http://schemas.microsoft.com/office/powerpoint/2010/main" val="1949456490"/>
+        <p14:creationId xmlns:p14="http://schemas.microsoft.com/office/powerpoint/2010/main" val="2099552161"/>
       </p:ext>
     </p:extLst>
   </p:cSld>
